--- a/homework3/DS_HW3_v2.pptx
+++ b/homework3/DS_HW3_v2.pptx
@@ -40,7 +40,7 @@
       </p:grpSpPr>
       <p:sp>
         <p:nvSpPr>
-          <p:cNvPr id="83" name="PlaceHolder 1"/>
+          <p:cNvPr id="79" name="PlaceHolder 1"/>
           <p:cNvSpPr>
             <a:spLocks noGrp="1"/>
           </p:cNvSpPr>
@@ -60,27 +60,22 @@
         <p:txBody>
           <a:bodyPr lIns="0" rIns="0" tIns="0" bIns="0" anchor="ctr"/>
           <a:p>
-            <a:r>
-              <a:rPr b="0" lang="zh-CN" sz="1800" spc="-1" strike="noStrike">
-                <a:solidFill>
-                  <a:srgbClr val="000000"/>
-                </a:solidFill>
+            <a:pPr algn="ctr"/>
+            <a:r>
+              <a:rPr b="0" lang="en-US" sz="4400" spc="-1" strike="noStrike">
                 <a:latin typeface="Arial"/>
               </a:rPr>
               <a:t>单击鼠标移动幻灯片</a:t>
             </a:r>
-            <a:endParaRPr b="0" lang="zh-CN" sz="1800" spc="-1" strike="noStrike">
-              <a:solidFill>
-                <a:srgbClr val="000000"/>
-              </a:solidFill>
-              <a:latin typeface="Arial"/>
-            </a:endParaRPr>
-          </a:p>
-        </p:txBody>
-      </p:sp>
-      <p:sp>
-        <p:nvSpPr>
-          <p:cNvPr id="84" name="PlaceHolder 2"/>
+            <a:endParaRPr b="0" lang="en-US" sz="4400" spc="-1" strike="noStrike">
+              <a:latin typeface="Arial"/>
+            </a:endParaRPr>
+          </a:p>
+        </p:txBody>
+      </p:sp>
+      <p:sp>
+        <p:nvSpPr>
+          <p:cNvPr id="80" name="PlaceHolder 2"/>
           <p:cNvSpPr>
             <a:spLocks noGrp="1"/>
           </p:cNvSpPr>
@@ -114,7 +109,7 @@
       </p:sp>
       <p:sp>
         <p:nvSpPr>
-          <p:cNvPr id="85" name="PlaceHolder 3"/>
+          <p:cNvPr id="81" name="PlaceHolder 3"/>
           <p:cNvSpPr>
             <a:spLocks noGrp="1"/>
           </p:cNvSpPr>
@@ -148,7 +143,7 @@
       </p:sp>
       <p:sp>
         <p:nvSpPr>
-          <p:cNvPr id="86" name="PlaceHolder 4"/>
+          <p:cNvPr id="82" name="PlaceHolder 4"/>
           <p:cNvSpPr>
             <a:spLocks noGrp="1"/>
           </p:cNvSpPr>
@@ -183,7 +178,7 @@
       </p:sp>
       <p:sp>
         <p:nvSpPr>
-          <p:cNvPr id="87" name="PlaceHolder 5"/>
+          <p:cNvPr id="83" name="PlaceHolder 5"/>
           <p:cNvSpPr>
             <a:spLocks noGrp="1"/>
           </p:cNvSpPr>
@@ -217,7 +212,7 @@
       </p:sp>
       <p:sp>
         <p:nvSpPr>
-          <p:cNvPr id="88" name="PlaceHolder 6"/>
+          <p:cNvPr id="84" name="PlaceHolder 6"/>
           <p:cNvSpPr>
             <a:spLocks noGrp="1"/>
           </p:cNvSpPr>
@@ -238,7 +233,7 @@
           <a:bodyPr lIns="0" rIns="0" tIns="0" bIns="0" anchor="b"/>
           <a:p>
             <a:pPr algn="r"/>
-            <a:fld id="{0C7ED739-EFC2-44A6-9E6C-9D25DD0B3206}" type="slidenum">
+            <a:fld id="{EF683679-1ABE-4D8D-9429-9770C2C8BA5C}" type="slidenum">
               <a:rPr b="0" lang="en-US" sz="1400" spc="-1" strike="noStrike">
                 <a:latin typeface="Times New Roman"/>
               </a:rPr>
@@ -275,7 +270,7 @@
       </p:grpSpPr>
       <p:sp>
         <p:nvSpPr>
-          <p:cNvPr id="112" name="PlaceHolder 1"/>
+          <p:cNvPr id="108" name="PlaceHolder 1"/>
           <p:cNvSpPr>
             <a:spLocks noGrp="1"/>
           </p:cNvSpPr>
@@ -286,16 +281,16 @@
         <p:spPr>
           <a:xfrm>
             <a:off x="685800" y="1143000"/>
-            <a:ext cx="5486040" cy="3085920"/>
-          </a:xfrm>
-          <a:prstGeom prst="rect">
-            <a:avLst/>
-          </a:prstGeom>
-        </p:spPr>
-      </p:sp>
-      <p:sp>
-        <p:nvSpPr>
-          <p:cNvPr id="113" name="PlaceHolder 2"/>
+            <a:ext cx="5485680" cy="3085560"/>
+          </a:xfrm>
+          <a:prstGeom prst="rect">
+            <a:avLst/>
+          </a:prstGeom>
+        </p:spPr>
+      </p:sp>
+      <p:sp>
+        <p:nvSpPr>
+          <p:cNvPr id="109" name="PlaceHolder 2"/>
           <p:cNvSpPr>
             <a:spLocks noGrp="1"/>
           </p:cNvSpPr>
@@ -306,16 +301,16 @@
         <p:spPr>
           <a:xfrm>
             <a:off x="685800" y="4400640"/>
-            <a:ext cx="5486040" cy="3600000"/>
-          </a:xfrm>
-          <a:prstGeom prst="rect">
-            <a:avLst/>
-          </a:prstGeom>
-        </p:spPr>
-        <p:txBody>
-          <a:bodyPr/>
-          <a:p>
-            <a:pPr marL="216000" indent="-216000">
+            <a:ext cx="5485680" cy="3599640"/>
+          </a:xfrm>
+          <a:prstGeom prst="rect">
+            <a:avLst/>
+          </a:prstGeom>
+        </p:spPr>
+        <p:txBody>
+          <a:bodyPr lIns="0" rIns="0" tIns="0" bIns="0"/>
+          <a:p>
+            <a:pPr marL="216000" indent="-215640">
               <a:lnSpc>
                 <a:spcPct val="100000"/>
               </a:lnSpc>
@@ -346,14 +341,14 @@
       </p:sp>
       <p:sp>
         <p:nvSpPr>
-          <p:cNvPr id="114" name="TextShape 3"/>
-          <p:cNvSpPr txBox="1"/>
+          <p:cNvPr id="110" name="CustomShape 3"/>
+          <p:cNvSpPr/>
           <p:nvPr/>
         </p:nvSpPr>
         <p:spPr>
           <a:xfrm>
             <a:off x="3884760" y="8685360"/>
-            <a:ext cx="2971440" cy="458280"/>
+            <a:ext cx="2971080" cy="457920"/>
           </a:xfrm>
           <a:prstGeom prst="rect">
             <a:avLst/>
@@ -363,15 +358,21 @@
             <a:noFill/>
           </a:ln>
         </p:spPr>
-        <p:txBody>
-          <a:bodyPr anchor="b"/>
+        <p:style>
+          <a:lnRef idx="0"/>
+          <a:fillRef idx="0"/>
+          <a:effectRef idx="0"/>
+          <a:fontRef idx="minor"/>
+        </p:style>
+        <p:txBody>
+          <a:bodyPr lIns="90000" rIns="90000" tIns="45000" bIns="45000" anchor="b"/>
           <a:p>
             <a:pPr algn="r">
               <a:lnSpc>
                 <a:spcPct val="100000"/>
               </a:lnSpc>
             </a:pPr>
-            <a:fld id="{599DBF9C-889E-4B5F-A139-5AB6D51FEE32}" type="slidenum">
+            <a:fld id="{BB66EAE0-F095-4112-BDE4-27986C679D27}" type="slidenum">
               <a:rPr b="0" lang="en-US" sz="1200" spc="-1" strike="noStrike">
                 <a:solidFill>
                   <a:srgbClr val="000000"/>
@@ -382,7 +383,7 @@
               <a:t>&lt;编号&gt;</a:t>
             </a:fld>
             <a:endParaRPr b="0" lang="en-US" sz="1200" spc="-1" strike="noStrike">
-              <a:latin typeface="Times New Roman"/>
+              <a:latin typeface="Arial"/>
             </a:endParaRPr>
           </a:p>
         </p:txBody>
@@ -411,7 +412,7 @@
       </p:grpSpPr>
       <p:sp>
         <p:nvSpPr>
-          <p:cNvPr id="115" name="PlaceHolder 1"/>
+          <p:cNvPr id="111" name="PlaceHolder 1"/>
           <p:cNvSpPr>
             <a:spLocks noGrp="1"/>
           </p:cNvSpPr>
@@ -422,16 +423,16 @@
         <p:spPr>
           <a:xfrm>
             <a:off x="685800" y="1143000"/>
-            <a:ext cx="5486040" cy="3085920"/>
-          </a:xfrm>
-          <a:prstGeom prst="rect">
-            <a:avLst/>
-          </a:prstGeom>
-        </p:spPr>
-      </p:sp>
-      <p:sp>
-        <p:nvSpPr>
-          <p:cNvPr id="116" name="PlaceHolder 2"/>
+            <a:ext cx="5485680" cy="3085560"/>
+          </a:xfrm>
+          <a:prstGeom prst="rect">
+            <a:avLst/>
+          </a:prstGeom>
+        </p:spPr>
+      </p:sp>
+      <p:sp>
+        <p:nvSpPr>
+          <p:cNvPr id="112" name="PlaceHolder 2"/>
           <p:cNvSpPr>
             <a:spLocks noGrp="1"/>
           </p:cNvSpPr>
@@ -442,16 +443,16 @@
         <p:spPr>
           <a:xfrm>
             <a:off x="685800" y="4400640"/>
-            <a:ext cx="5486040" cy="3600000"/>
-          </a:xfrm>
-          <a:prstGeom prst="rect">
-            <a:avLst/>
-          </a:prstGeom>
-        </p:spPr>
-        <p:txBody>
-          <a:bodyPr/>
-          <a:p>
-            <a:pPr marL="216000" indent="-216000">
+            <a:ext cx="5485680" cy="3599640"/>
+          </a:xfrm>
+          <a:prstGeom prst="rect">
+            <a:avLst/>
+          </a:prstGeom>
+        </p:spPr>
+        <p:txBody>
+          <a:bodyPr lIns="0" rIns="0" tIns="0" bIns="0"/>
+          <a:p>
+            <a:pPr marL="216000" indent="-215640">
               <a:lnSpc>
                 <a:spcPct val="100000"/>
               </a:lnSpc>
@@ -536,14 +537,14 @@
       </p:sp>
       <p:sp>
         <p:nvSpPr>
-          <p:cNvPr id="117" name="TextShape 3"/>
-          <p:cNvSpPr txBox="1"/>
+          <p:cNvPr id="113" name="CustomShape 3"/>
+          <p:cNvSpPr/>
           <p:nvPr/>
         </p:nvSpPr>
         <p:spPr>
           <a:xfrm>
             <a:off x="3884760" y="8685360"/>
-            <a:ext cx="2971440" cy="458280"/>
+            <a:ext cx="2971080" cy="457920"/>
           </a:xfrm>
           <a:prstGeom prst="rect">
             <a:avLst/>
@@ -553,15 +554,21 @@
             <a:noFill/>
           </a:ln>
         </p:spPr>
-        <p:txBody>
-          <a:bodyPr anchor="b"/>
+        <p:style>
+          <a:lnRef idx="0"/>
+          <a:fillRef idx="0"/>
+          <a:effectRef idx="0"/>
+          <a:fontRef idx="minor"/>
+        </p:style>
+        <p:txBody>
+          <a:bodyPr lIns="90000" rIns="90000" tIns="45000" bIns="45000" anchor="b"/>
           <a:p>
             <a:pPr algn="r">
               <a:lnSpc>
                 <a:spcPct val="100000"/>
               </a:lnSpc>
             </a:pPr>
-            <a:fld id="{06AD209C-0105-4C59-9310-1742FC62161D}" type="slidenum">
+            <a:fld id="{F1E9EDA2-C941-4EA1-ADEC-4893E5D6A01E}" type="slidenum">
               <a:rPr b="0" lang="en-US" sz="1200" spc="-1" strike="noStrike">
                 <a:solidFill>
                   <a:srgbClr val="000000"/>
@@ -572,7 +579,7 @@
               <a:t>&lt;编号&gt;</a:t>
             </a:fld>
             <a:endParaRPr b="0" lang="en-US" sz="1200" spc="-1" strike="noStrike">
-              <a:latin typeface="Times New Roman"/>
+              <a:latin typeface="Arial"/>
             </a:endParaRPr>
           </a:p>
         </p:txBody>
@@ -623,7 +630,7 @@
       </p:grpSpPr>
       <p:sp>
         <p:nvSpPr>
-          <p:cNvPr id="26" name="PlaceHolder 1"/>
+          <p:cNvPr id="25" name="PlaceHolder 1"/>
           <p:cNvSpPr>
             <a:spLocks noGrp="1"/>
           </p:cNvSpPr>
@@ -634,7 +641,7 @@
         <p:spPr>
           <a:xfrm>
             <a:off x="669960" y="0"/>
-            <a:ext cx="10850040" cy="1028160"/>
+            <a:ext cx="10849680" cy="1027800"/>
           </a:xfrm>
           <a:prstGeom prst="rect">
             <a:avLst/>
@@ -643,18 +650,16 @@
         <p:txBody>
           <a:bodyPr lIns="0" rIns="0" tIns="0" bIns="0" anchor="ctr"/>
           <a:p>
-            <a:endParaRPr b="0" lang="zh-CN" sz="1800" spc="-1" strike="noStrike">
-              <a:solidFill>
-                <a:srgbClr val="000000"/>
-              </a:solidFill>
-              <a:latin typeface="Arial"/>
-            </a:endParaRPr>
-          </a:p>
-        </p:txBody>
-      </p:sp>
-      <p:sp>
-        <p:nvSpPr>
-          <p:cNvPr id="27" name="PlaceHolder 2"/>
+            <a:pPr algn="ctr"/>
+            <a:endParaRPr b="0" lang="en-US" sz="4400" spc="-1" strike="noStrike">
+              <a:latin typeface="Arial"/>
+            </a:endParaRPr>
+          </a:p>
+        </p:txBody>
+      </p:sp>
+      <p:sp>
+        <p:nvSpPr>
+          <p:cNvPr id="26" name="PlaceHolder 2"/>
           <p:cNvSpPr>
             <a:spLocks noGrp="1"/>
           </p:cNvSpPr>
@@ -676,18 +681,15 @@
             <a:normAutofit/>
           </a:bodyPr>
           <a:p>
-            <a:endParaRPr b="0" lang="zh-CN" sz="2000" spc="-1" strike="noStrike">
-              <a:solidFill>
-                <a:srgbClr val="000000"/>
-              </a:solidFill>
-              <a:latin typeface="Arial"/>
-            </a:endParaRPr>
-          </a:p>
-        </p:txBody>
-      </p:sp>
-      <p:sp>
-        <p:nvSpPr>
-          <p:cNvPr id="28" name="PlaceHolder 3"/>
+            <a:endParaRPr b="0" lang="en-US" sz="3200" spc="-1" strike="noStrike">
+              <a:latin typeface="Arial"/>
+            </a:endParaRPr>
+          </a:p>
+        </p:txBody>
+      </p:sp>
+      <p:sp>
+        <p:nvSpPr>
+          <p:cNvPr id="27" name="PlaceHolder 3"/>
           <p:cNvSpPr>
             <a:spLocks noGrp="1"/>
           </p:cNvSpPr>
@@ -709,10 +711,7 @@
             <a:normAutofit/>
           </a:bodyPr>
           <a:p>
-            <a:endParaRPr b="0" lang="zh-CN" sz="2000" spc="-1" strike="noStrike">
-              <a:solidFill>
-                <a:srgbClr val="000000"/>
-              </a:solidFill>
+            <a:endParaRPr b="0" lang="en-US" sz="3200" spc="-1" strike="noStrike">
               <a:latin typeface="Arial"/>
             </a:endParaRPr>
           </a:p>
@@ -742,7 +741,7 @@
       </p:grpSpPr>
       <p:sp>
         <p:nvSpPr>
-          <p:cNvPr id="29" name="PlaceHolder 1"/>
+          <p:cNvPr id="28" name="PlaceHolder 1"/>
           <p:cNvSpPr>
             <a:spLocks noGrp="1"/>
           </p:cNvSpPr>
@@ -753,7 +752,7 @@
         <p:spPr>
           <a:xfrm>
             <a:off x="669960" y="0"/>
-            <a:ext cx="10850040" cy="1028160"/>
+            <a:ext cx="10849680" cy="1027800"/>
           </a:xfrm>
           <a:prstGeom prst="rect">
             <a:avLst/>
@@ -762,18 +761,16 @@
         <p:txBody>
           <a:bodyPr lIns="0" rIns="0" tIns="0" bIns="0" anchor="ctr"/>
           <a:p>
-            <a:endParaRPr b="0" lang="zh-CN" sz="1800" spc="-1" strike="noStrike">
-              <a:solidFill>
-                <a:srgbClr val="000000"/>
-              </a:solidFill>
-              <a:latin typeface="Arial"/>
-            </a:endParaRPr>
-          </a:p>
-        </p:txBody>
-      </p:sp>
-      <p:sp>
-        <p:nvSpPr>
-          <p:cNvPr id="30" name="PlaceHolder 2"/>
+            <a:pPr algn="ctr"/>
+            <a:endParaRPr b="0" lang="en-US" sz="4400" spc="-1" strike="noStrike">
+              <a:latin typeface="Arial"/>
+            </a:endParaRPr>
+          </a:p>
+        </p:txBody>
+      </p:sp>
+      <p:sp>
+        <p:nvSpPr>
+          <p:cNvPr id="29" name="PlaceHolder 2"/>
           <p:cNvSpPr>
             <a:spLocks noGrp="1"/>
           </p:cNvSpPr>
@@ -795,18 +792,15 @@
             <a:normAutofit/>
           </a:bodyPr>
           <a:p>
-            <a:endParaRPr b="0" lang="zh-CN" sz="2000" spc="-1" strike="noStrike">
-              <a:solidFill>
-                <a:srgbClr val="000000"/>
-              </a:solidFill>
-              <a:latin typeface="Arial"/>
-            </a:endParaRPr>
-          </a:p>
-        </p:txBody>
-      </p:sp>
-      <p:sp>
-        <p:nvSpPr>
-          <p:cNvPr id="31" name="PlaceHolder 3"/>
+            <a:endParaRPr b="0" lang="en-US" sz="3200" spc="-1" strike="noStrike">
+              <a:latin typeface="Arial"/>
+            </a:endParaRPr>
+          </a:p>
+        </p:txBody>
+      </p:sp>
+      <p:sp>
+        <p:nvSpPr>
+          <p:cNvPr id="30" name="PlaceHolder 3"/>
           <p:cNvSpPr>
             <a:spLocks noGrp="1"/>
           </p:cNvSpPr>
@@ -828,18 +822,15 @@
             <a:normAutofit/>
           </a:bodyPr>
           <a:p>
-            <a:endParaRPr b="0" lang="zh-CN" sz="2000" spc="-1" strike="noStrike">
-              <a:solidFill>
-                <a:srgbClr val="000000"/>
-              </a:solidFill>
-              <a:latin typeface="Arial"/>
-            </a:endParaRPr>
-          </a:p>
-        </p:txBody>
-      </p:sp>
-      <p:sp>
-        <p:nvSpPr>
-          <p:cNvPr id="32" name="PlaceHolder 4"/>
+            <a:endParaRPr b="0" lang="en-US" sz="3200" spc="-1" strike="noStrike">
+              <a:latin typeface="Arial"/>
+            </a:endParaRPr>
+          </a:p>
+        </p:txBody>
+      </p:sp>
+      <p:sp>
+        <p:nvSpPr>
+          <p:cNvPr id="31" name="PlaceHolder 4"/>
           <p:cNvSpPr>
             <a:spLocks noGrp="1"/>
           </p:cNvSpPr>
@@ -861,18 +852,15 @@
             <a:normAutofit/>
           </a:bodyPr>
           <a:p>
-            <a:endParaRPr b="0" lang="zh-CN" sz="2000" spc="-1" strike="noStrike">
-              <a:solidFill>
-                <a:srgbClr val="000000"/>
-              </a:solidFill>
-              <a:latin typeface="Arial"/>
-            </a:endParaRPr>
-          </a:p>
-        </p:txBody>
-      </p:sp>
-      <p:sp>
-        <p:nvSpPr>
-          <p:cNvPr id="33" name="PlaceHolder 5"/>
+            <a:endParaRPr b="0" lang="en-US" sz="3200" spc="-1" strike="noStrike">
+              <a:latin typeface="Arial"/>
+            </a:endParaRPr>
+          </a:p>
+        </p:txBody>
+      </p:sp>
+      <p:sp>
+        <p:nvSpPr>
+          <p:cNvPr id="32" name="PlaceHolder 5"/>
           <p:cNvSpPr>
             <a:spLocks noGrp="1"/>
           </p:cNvSpPr>
@@ -894,10 +882,7 @@
             <a:normAutofit/>
           </a:bodyPr>
           <a:p>
-            <a:endParaRPr b="0" lang="zh-CN" sz="2000" spc="-1" strike="noStrike">
-              <a:solidFill>
-                <a:srgbClr val="000000"/>
-              </a:solidFill>
+            <a:endParaRPr b="0" lang="en-US" sz="3200" spc="-1" strike="noStrike">
               <a:latin typeface="Arial"/>
             </a:endParaRPr>
           </a:p>
@@ -927,7 +912,7 @@
       </p:grpSpPr>
       <p:sp>
         <p:nvSpPr>
-          <p:cNvPr id="34" name="PlaceHolder 1"/>
+          <p:cNvPr id="33" name="PlaceHolder 1"/>
           <p:cNvSpPr>
             <a:spLocks noGrp="1"/>
           </p:cNvSpPr>
@@ -938,7 +923,7 @@
         <p:spPr>
           <a:xfrm>
             <a:off x="669960" y="0"/>
-            <a:ext cx="10850040" cy="1028160"/>
+            <a:ext cx="10849680" cy="1027800"/>
           </a:xfrm>
           <a:prstGeom prst="rect">
             <a:avLst/>
@@ -947,18 +932,16 @@
         <p:txBody>
           <a:bodyPr lIns="0" rIns="0" tIns="0" bIns="0" anchor="ctr"/>
           <a:p>
-            <a:endParaRPr b="0" lang="zh-CN" sz="1800" spc="-1" strike="noStrike">
-              <a:solidFill>
-                <a:srgbClr val="000000"/>
-              </a:solidFill>
-              <a:latin typeface="Arial"/>
-            </a:endParaRPr>
-          </a:p>
-        </p:txBody>
-      </p:sp>
-      <p:sp>
-        <p:nvSpPr>
-          <p:cNvPr id="35" name="PlaceHolder 2"/>
+            <a:pPr algn="ctr"/>
+            <a:endParaRPr b="0" lang="en-US" sz="4400" spc="-1" strike="noStrike">
+              <a:latin typeface="Arial"/>
+            </a:endParaRPr>
+          </a:p>
+        </p:txBody>
+      </p:sp>
+      <p:sp>
+        <p:nvSpPr>
+          <p:cNvPr id="34" name="PlaceHolder 2"/>
           <p:cNvSpPr>
             <a:spLocks noGrp="1"/>
           </p:cNvSpPr>
@@ -980,18 +963,15 @@
             <a:normAutofit/>
           </a:bodyPr>
           <a:p>
-            <a:endParaRPr b="0" lang="zh-CN" sz="2000" spc="-1" strike="noStrike">
-              <a:solidFill>
-                <a:srgbClr val="000000"/>
-              </a:solidFill>
-              <a:latin typeface="Arial"/>
-            </a:endParaRPr>
-          </a:p>
-        </p:txBody>
-      </p:sp>
-      <p:sp>
-        <p:nvSpPr>
-          <p:cNvPr id="36" name="PlaceHolder 3"/>
+            <a:endParaRPr b="0" lang="en-US" sz="3200" spc="-1" strike="noStrike">
+              <a:latin typeface="Arial"/>
+            </a:endParaRPr>
+          </a:p>
+        </p:txBody>
+      </p:sp>
+      <p:sp>
+        <p:nvSpPr>
+          <p:cNvPr id="35" name="PlaceHolder 3"/>
           <p:cNvSpPr>
             <a:spLocks noGrp="1"/>
           </p:cNvSpPr>
@@ -1013,18 +993,15 @@
             <a:normAutofit/>
           </a:bodyPr>
           <a:p>
-            <a:endParaRPr b="0" lang="zh-CN" sz="2000" spc="-1" strike="noStrike">
-              <a:solidFill>
-                <a:srgbClr val="000000"/>
-              </a:solidFill>
-              <a:latin typeface="Arial"/>
-            </a:endParaRPr>
-          </a:p>
-        </p:txBody>
-      </p:sp>
-      <p:sp>
-        <p:nvSpPr>
-          <p:cNvPr id="37" name="PlaceHolder 4"/>
+            <a:endParaRPr b="0" lang="en-US" sz="3200" spc="-1" strike="noStrike">
+              <a:latin typeface="Arial"/>
+            </a:endParaRPr>
+          </a:p>
+        </p:txBody>
+      </p:sp>
+      <p:sp>
+        <p:nvSpPr>
+          <p:cNvPr id="36" name="PlaceHolder 4"/>
           <p:cNvSpPr>
             <a:spLocks noGrp="1"/>
           </p:cNvSpPr>
@@ -1046,18 +1023,15 @@
             <a:normAutofit/>
           </a:bodyPr>
           <a:p>
-            <a:endParaRPr b="0" lang="zh-CN" sz="2000" spc="-1" strike="noStrike">
-              <a:solidFill>
-                <a:srgbClr val="000000"/>
-              </a:solidFill>
-              <a:latin typeface="Arial"/>
-            </a:endParaRPr>
-          </a:p>
-        </p:txBody>
-      </p:sp>
-      <p:sp>
-        <p:nvSpPr>
-          <p:cNvPr id="38" name="PlaceHolder 5"/>
+            <a:endParaRPr b="0" lang="en-US" sz="3200" spc="-1" strike="noStrike">
+              <a:latin typeface="Arial"/>
+            </a:endParaRPr>
+          </a:p>
+        </p:txBody>
+      </p:sp>
+      <p:sp>
+        <p:nvSpPr>
+          <p:cNvPr id="37" name="PlaceHolder 5"/>
           <p:cNvSpPr>
             <a:spLocks noGrp="1"/>
           </p:cNvSpPr>
@@ -1079,18 +1053,15 @@
             <a:normAutofit/>
           </a:bodyPr>
           <a:p>
-            <a:endParaRPr b="0" lang="zh-CN" sz="2000" spc="-1" strike="noStrike">
-              <a:solidFill>
-                <a:srgbClr val="000000"/>
-              </a:solidFill>
-              <a:latin typeface="Arial"/>
-            </a:endParaRPr>
-          </a:p>
-        </p:txBody>
-      </p:sp>
-      <p:sp>
-        <p:nvSpPr>
-          <p:cNvPr id="39" name="PlaceHolder 6"/>
+            <a:endParaRPr b="0" lang="en-US" sz="3200" spc="-1" strike="noStrike">
+              <a:latin typeface="Arial"/>
+            </a:endParaRPr>
+          </a:p>
+        </p:txBody>
+      </p:sp>
+      <p:sp>
+        <p:nvSpPr>
+          <p:cNvPr id="38" name="PlaceHolder 6"/>
           <p:cNvSpPr>
             <a:spLocks noGrp="1"/>
           </p:cNvSpPr>
@@ -1112,18 +1083,15 @@
             <a:normAutofit/>
           </a:bodyPr>
           <a:p>
-            <a:endParaRPr b="0" lang="zh-CN" sz="2000" spc="-1" strike="noStrike">
-              <a:solidFill>
-                <a:srgbClr val="000000"/>
-              </a:solidFill>
-              <a:latin typeface="Arial"/>
-            </a:endParaRPr>
-          </a:p>
-        </p:txBody>
-      </p:sp>
-      <p:sp>
-        <p:nvSpPr>
-          <p:cNvPr id="40" name="PlaceHolder 7"/>
+            <a:endParaRPr b="0" lang="en-US" sz="3200" spc="-1" strike="noStrike">
+              <a:latin typeface="Arial"/>
+            </a:endParaRPr>
+          </a:p>
+        </p:txBody>
+      </p:sp>
+      <p:sp>
+        <p:nvSpPr>
+          <p:cNvPr id="39" name="PlaceHolder 7"/>
           <p:cNvSpPr>
             <a:spLocks noGrp="1"/>
           </p:cNvSpPr>
@@ -1145,10 +1113,7 @@
             <a:normAutofit/>
           </a:bodyPr>
           <a:p>
-            <a:endParaRPr b="0" lang="zh-CN" sz="2000" spc="-1" strike="noStrike">
-              <a:solidFill>
-                <a:srgbClr val="000000"/>
-              </a:solidFill>
+            <a:endParaRPr b="0" lang="en-US" sz="3200" spc="-1" strike="noStrike">
               <a:latin typeface="Arial"/>
             </a:endParaRPr>
           </a:p>
@@ -1200,7 +1165,7 @@
       </p:grpSpPr>
       <p:sp>
         <p:nvSpPr>
-          <p:cNvPr id="47" name="PlaceHolder 1"/>
+          <p:cNvPr id="43" name="PlaceHolder 1"/>
           <p:cNvSpPr>
             <a:spLocks noGrp="1"/>
           </p:cNvSpPr>
@@ -1211,7 +1176,7 @@
         <p:spPr>
           <a:xfrm>
             <a:off x="669960" y="0"/>
-            <a:ext cx="10850040" cy="1028160"/>
+            <a:ext cx="10849680" cy="1027800"/>
           </a:xfrm>
           <a:prstGeom prst="rect">
             <a:avLst/>
@@ -1220,18 +1185,16 @@
         <p:txBody>
           <a:bodyPr lIns="0" rIns="0" tIns="0" bIns="0" anchor="ctr"/>
           <a:p>
-            <a:endParaRPr b="0" lang="zh-CN" sz="1800" spc="-1" strike="noStrike">
-              <a:solidFill>
-                <a:srgbClr val="000000"/>
-              </a:solidFill>
-              <a:latin typeface="Arial"/>
-            </a:endParaRPr>
-          </a:p>
-        </p:txBody>
-      </p:sp>
-      <p:sp>
-        <p:nvSpPr>
-          <p:cNvPr id="48" name="PlaceHolder 2"/>
+            <a:pPr algn="ctr"/>
+            <a:endParaRPr b="0" lang="en-US" sz="4400" spc="-1" strike="noStrike">
+              <a:latin typeface="Arial"/>
+            </a:endParaRPr>
+          </a:p>
+        </p:txBody>
+      </p:sp>
+      <p:sp>
+        <p:nvSpPr>
+          <p:cNvPr id="44" name="PlaceHolder 2"/>
           <p:cNvSpPr>
             <a:spLocks noGrp="1"/>
           </p:cNvSpPr>
@@ -1282,7 +1245,7 @@
       </p:grpSpPr>
       <p:sp>
         <p:nvSpPr>
-          <p:cNvPr id="49" name="PlaceHolder 1"/>
+          <p:cNvPr id="45" name="PlaceHolder 1"/>
           <p:cNvSpPr>
             <a:spLocks noGrp="1"/>
           </p:cNvSpPr>
@@ -1293,7 +1256,7 @@
         <p:spPr>
           <a:xfrm>
             <a:off x="669960" y="0"/>
-            <a:ext cx="10850040" cy="1028160"/>
+            <a:ext cx="10849680" cy="1027800"/>
           </a:xfrm>
           <a:prstGeom prst="rect">
             <a:avLst/>
@@ -1302,18 +1265,16 @@
         <p:txBody>
           <a:bodyPr lIns="0" rIns="0" tIns="0" bIns="0" anchor="ctr"/>
           <a:p>
-            <a:endParaRPr b="0" lang="zh-CN" sz="1800" spc="-1" strike="noStrike">
-              <a:solidFill>
-                <a:srgbClr val="000000"/>
-              </a:solidFill>
-              <a:latin typeface="Arial"/>
-            </a:endParaRPr>
-          </a:p>
-        </p:txBody>
-      </p:sp>
-      <p:sp>
-        <p:nvSpPr>
-          <p:cNvPr id="50" name="PlaceHolder 2"/>
+            <a:pPr algn="ctr"/>
+            <a:endParaRPr b="0" lang="en-US" sz="4400" spc="-1" strike="noStrike">
+              <a:latin typeface="Arial"/>
+            </a:endParaRPr>
+          </a:p>
+        </p:txBody>
+      </p:sp>
+      <p:sp>
+        <p:nvSpPr>
+          <p:cNvPr id="46" name="PlaceHolder 2"/>
           <p:cNvSpPr>
             <a:spLocks noGrp="1"/>
           </p:cNvSpPr>
@@ -1335,10 +1296,7 @@
             <a:normAutofit/>
           </a:bodyPr>
           <a:p>
-            <a:endParaRPr b="0" lang="zh-CN" sz="2000" spc="-1" strike="noStrike">
-              <a:solidFill>
-                <a:srgbClr val="000000"/>
-              </a:solidFill>
+            <a:endParaRPr b="0" lang="en-US" sz="3200" spc="-1" strike="noStrike">
               <a:latin typeface="Arial"/>
             </a:endParaRPr>
           </a:p>
@@ -1368,7 +1326,7 @@
       </p:grpSpPr>
       <p:sp>
         <p:nvSpPr>
-          <p:cNvPr id="51" name="PlaceHolder 1"/>
+          <p:cNvPr id="47" name="PlaceHolder 1"/>
           <p:cNvSpPr>
             <a:spLocks noGrp="1"/>
           </p:cNvSpPr>
@@ -1379,7 +1337,7 @@
         <p:spPr>
           <a:xfrm>
             <a:off x="669960" y="0"/>
-            <a:ext cx="10850040" cy="1028160"/>
+            <a:ext cx="10849680" cy="1027800"/>
           </a:xfrm>
           <a:prstGeom prst="rect">
             <a:avLst/>
@@ -1388,18 +1346,16 @@
         <p:txBody>
           <a:bodyPr lIns="0" rIns="0" tIns="0" bIns="0" anchor="ctr"/>
           <a:p>
-            <a:endParaRPr b="0" lang="zh-CN" sz="1800" spc="-1" strike="noStrike">
-              <a:solidFill>
-                <a:srgbClr val="000000"/>
-              </a:solidFill>
-              <a:latin typeface="Arial"/>
-            </a:endParaRPr>
-          </a:p>
-        </p:txBody>
-      </p:sp>
-      <p:sp>
-        <p:nvSpPr>
-          <p:cNvPr id="52" name="PlaceHolder 2"/>
+            <a:pPr algn="ctr"/>
+            <a:endParaRPr b="0" lang="en-US" sz="4400" spc="-1" strike="noStrike">
+              <a:latin typeface="Arial"/>
+            </a:endParaRPr>
+          </a:p>
+        </p:txBody>
+      </p:sp>
+      <p:sp>
+        <p:nvSpPr>
+          <p:cNvPr id="48" name="PlaceHolder 2"/>
           <p:cNvSpPr>
             <a:spLocks noGrp="1"/>
           </p:cNvSpPr>
@@ -1421,18 +1377,15 @@
             <a:normAutofit/>
           </a:bodyPr>
           <a:p>
-            <a:endParaRPr b="0" lang="zh-CN" sz="2000" spc="-1" strike="noStrike">
-              <a:solidFill>
-                <a:srgbClr val="000000"/>
-              </a:solidFill>
-              <a:latin typeface="Arial"/>
-            </a:endParaRPr>
-          </a:p>
-        </p:txBody>
-      </p:sp>
-      <p:sp>
-        <p:nvSpPr>
-          <p:cNvPr id="53" name="PlaceHolder 3"/>
+            <a:endParaRPr b="0" lang="en-US" sz="3200" spc="-1" strike="noStrike">
+              <a:latin typeface="Arial"/>
+            </a:endParaRPr>
+          </a:p>
+        </p:txBody>
+      </p:sp>
+      <p:sp>
+        <p:nvSpPr>
+          <p:cNvPr id="49" name="PlaceHolder 3"/>
           <p:cNvSpPr>
             <a:spLocks noGrp="1"/>
           </p:cNvSpPr>
@@ -1454,10 +1407,7 @@
             <a:normAutofit/>
           </a:bodyPr>
           <a:p>
-            <a:endParaRPr b="0" lang="zh-CN" sz="2000" spc="-1" strike="noStrike">
-              <a:solidFill>
-                <a:srgbClr val="000000"/>
-              </a:solidFill>
+            <a:endParaRPr b="0" lang="en-US" sz="3200" spc="-1" strike="noStrike">
               <a:latin typeface="Arial"/>
             </a:endParaRPr>
           </a:p>
@@ -1487,7 +1437,7 @@
       </p:grpSpPr>
       <p:sp>
         <p:nvSpPr>
-          <p:cNvPr id="54" name="PlaceHolder 1"/>
+          <p:cNvPr id="50" name="PlaceHolder 1"/>
           <p:cNvSpPr>
             <a:spLocks noGrp="1"/>
           </p:cNvSpPr>
@@ -1498,7 +1448,7 @@
         <p:spPr>
           <a:xfrm>
             <a:off x="669960" y="0"/>
-            <a:ext cx="10850040" cy="1028160"/>
+            <a:ext cx="10849680" cy="1027800"/>
           </a:xfrm>
           <a:prstGeom prst="rect">
             <a:avLst/>
@@ -1507,10 +1457,8 @@
         <p:txBody>
           <a:bodyPr lIns="0" rIns="0" tIns="0" bIns="0" anchor="ctr"/>
           <a:p>
-            <a:endParaRPr b="0" lang="zh-CN" sz="1800" spc="-1" strike="noStrike">
-              <a:solidFill>
-                <a:srgbClr val="000000"/>
-              </a:solidFill>
+            <a:pPr algn="ctr"/>
+            <a:endParaRPr b="0" lang="en-US" sz="4400" spc="-1" strike="noStrike">
               <a:latin typeface="Arial"/>
             </a:endParaRPr>
           </a:p>
@@ -1540,7 +1488,7 @@
       </p:grpSpPr>
       <p:sp>
         <p:nvSpPr>
-          <p:cNvPr id="55" name="PlaceHolder 1"/>
+          <p:cNvPr id="51" name="PlaceHolder 1"/>
           <p:cNvSpPr>
             <a:spLocks noGrp="1"/>
           </p:cNvSpPr>
@@ -1551,7 +1499,7 @@
         <p:spPr>
           <a:xfrm>
             <a:off x="669960" y="0"/>
-            <a:ext cx="10850040" cy="4767120"/>
+            <a:ext cx="10849680" cy="4765680"/>
           </a:xfrm>
           <a:prstGeom prst="rect">
             <a:avLst/>
@@ -1591,7 +1539,7 @@
       </p:grpSpPr>
       <p:sp>
         <p:nvSpPr>
-          <p:cNvPr id="56" name="PlaceHolder 1"/>
+          <p:cNvPr id="52" name="PlaceHolder 1"/>
           <p:cNvSpPr>
             <a:spLocks noGrp="1"/>
           </p:cNvSpPr>
@@ -1602,7 +1550,7 @@
         <p:spPr>
           <a:xfrm>
             <a:off x="669960" y="0"/>
-            <a:ext cx="10850040" cy="1028160"/>
+            <a:ext cx="10849680" cy="1027800"/>
           </a:xfrm>
           <a:prstGeom prst="rect">
             <a:avLst/>
@@ -1611,18 +1559,16 @@
         <p:txBody>
           <a:bodyPr lIns="0" rIns="0" tIns="0" bIns="0" anchor="ctr"/>
           <a:p>
-            <a:endParaRPr b="0" lang="zh-CN" sz="1800" spc="-1" strike="noStrike">
-              <a:solidFill>
-                <a:srgbClr val="000000"/>
-              </a:solidFill>
-              <a:latin typeface="Arial"/>
-            </a:endParaRPr>
-          </a:p>
-        </p:txBody>
-      </p:sp>
-      <p:sp>
-        <p:nvSpPr>
-          <p:cNvPr id="57" name="PlaceHolder 2"/>
+            <a:pPr algn="ctr"/>
+            <a:endParaRPr b="0" lang="en-US" sz="4400" spc="-1" strike="noStrike">
+              <a:latin typeface="Arial"/>
+            </a:endParaRPr>
+          </a:p>
+        </p:txBody>
+      </p:sp>
+      <p:sp>
+        <p:nvSpPr>
+          <p:cNvPr id="53" name="PlaceHolder 2"/>
           <p:cNvSpPr>
             <a:spLocks noGrp="1"/>
           </p:cNvSpPr>
@@ -1644,18 +1590,15 @@
             <a:normAutofit/>
           </a:bodyPr>
           <a:p>
-            <a:endParaRPr b="0" lang="zh-CN" sz="2000" spc="-1" strike="noStrike">
-              <a:solidFill>
-                <a:srgbClr val="000000"/>
-              </a:solidFill>
-              <a:latin typeface="Arial"/>
-            </a:endParaRPr>
-          </a:p>
-        </p:txBody>
-      </p:sp>
-      <p:sp>
-        <p:nvSpPr>
-          <p:cNvPr id="58" name="PlaceHolder 3"/>
+            <a:endParaRPr b="0" lang="en-US" sz="3200" spc="-1" strike="noStrike">
+              <a:latin typeface="Arial"/>
+            </a:endParaRPr>
+          </a:p>
+        </p:txBody>
+      </p:sp>
+      <p:sp>
+        <p:nvSpPr>
+          <p:cNvPr id="54" name="PlaceHolder 3"/>
           <p:cNvSpPr>
             <a:spLocks noGrp="1"/>
           </p:cNvSpPr>
@@ -1677,18 +1620,15 @@
             <a:normAutofit/>
           </a:bodyPr>
           <a:p>
-            <a:endParaRPr b="0" lang="zh-CN" sz="2000" spc="-1" strike="noStrike">
-              <a:solidFill>
-                <a:srgbClr val="000000"/>
-              </a:solidFill>
-              <a:latin typeface="Arial"/>
-            </a:endParaRPr>
-          </a:p>
-        </p:txBody>
-      </p:sp>
-      <p:sp>
-        <p:nvSpPr>
-          <p:cNvPr id="59" name="PlaceHolder 4"/>
+            <a:endParaRPr b="0" lang="en-US" sz="3200" spc="-1" strike="noStrike">
+              <a:latin typeface="Arial"/>
+            </a:endParaRPr>
+          </a:p>
+        </p:txBody>
+      </p:sp>
+      <p:sp>
+        <p:nvSpPr>
+          <p:cNvPr id="55" name="PlaceHolder 4"/>
           <p:cNvSpPr>
             <a:spLocks noGrp="1"/>
           </p:cNvSpPr>
@@ -1710,10 +1650,7 @@
             <a:normAutofit/>
           </a:bodyPr>
           <a:p>
-            <a:endParaRPr b="0" lang="zh-CN" sz="2000" spc="-1" strike="noStrike">
-              <a:solidFill>
-                <a:srgbClr val="000000"/>
-              </a:solidFill>
+            <a:endParaRPr b="0" lang="en-US" sz="3200" spc="-1" strike="noStrike">
               <a:latin typeface="Arial"/>
             </a:endParaRPr>
           </a:p>
@@ -1743,7 +1680,7 @@
       </p:grpSpPr>
       <p:sp>
         <p:nvSpPr>
-          <p:cNvPr id="5" name="PlaceHolder 1"/>
+          <p:cNvPr id="4" name="PlaceHolder 1"/>
           <p:cNvSpPr>
             <a:spLocks noGrp="1"/>
           </p:cNvSpPr>
@@ -1754,7 +1691,7 @@
         <p:spPr>
           <a:xfrm>
             <a:off x="669960" y="0"/>
-            <a:ext cx="10850040" cy="1028160"/>
+            <a:ext cx="10849680" cy="1027800"/>
           </a:xfrm>
           <a:prstGeom prst="rect">
             <a:avLst/>
@@ -1763,18 +1700,16 @@
         <p:txBody>
           <a:bodyPr lIns="0" rIns="0" tIns="0" bIns="0" anchor="ctr"/>
           <a:p>
-            <a:endParaRPr b="0" lang="zh-CN" sz="1800" spc="-1" strike="noStrike">
-              <a:solidFill>
-                <a:srgbClr val="000000"/>
-              </a:solidFill>
-              <a:latin typeface="Arial"/>
-            </a:endParaRPr>
-          </a:p>
-        </p:txBody>
-      </p:sp>
-      <p:sp>
-        <p:nvSpPr>
-          <p:cNvPr id="6" name="PlaceHolder 2"/>
+            <a:pPr algn="ctr"/>
+            <a:endParaRPr b="0" lang="en-US" sz="4400" spc="-1" strike="noStrike">
+              <a:latin typeface="Arial"/>
+            </a:endParaRPr>
+          </a:p>
+        </p:txBody>
+      </p:sp>
+      <p:sp>
+        <p:nvSpPr>
+          <p:cNvPr id="5" name="PlaceHolder 2"/>
           <p:cNvSpPr>
             <a:spLocks noGrp="1"/>
           </p:cNvSpPr>
@@ -1825,7 +1760,7 @@
       </p:grpSpPr>
       <p:sp>
         <p:nvSpPr>
-          <p:cNvPr id="60" name="PlaceHolder 1"/>
+          <p:cNvPr id="56" name="PlaceHolder 1"/>
           <p:cNvSpPr>
             <a:spLocks noGrp="1"/>
           </p:cNvSpPr>
@@ -1836,7 +1771,7 @@
         <p:spPr>
           <a:xfrm>
             <a:off x="669960" y="0"/>
-            <a:ext cx="10850040" cy="1028160"/>
+            <a:ext cx="10849680" cy="1027800"/>
           </a:xfrm>
           <a:prstGeom prst="rect">
             <a:avLst/>
@@ -1845,18 +1780,16 @@
         <p:txBody>
           <a:bodyPr lIns="0" rIns="0" tIns="0" bIns="0" anchor="ctr"/>
           <a:p>
-            <a:endParaRPr b="0" lang="zh-CN" sz="1800" spc="-1" strike="noStrike">
-              <a:solidFill>
-                <a:srgbClr val="000000"/>
-              </a:solidFill>
-              <a:latin typeface="Arial"/>
-            </a:endParaRPr>
-          </a:p>
-        </p:txBody>
-      </p:sp>
-      <p:sp>
-        <p:nvSpPr>
-          <p:cNvPr id="61" name="PlaceHolder 2"/>
+            <a:pPr algn="ctr"/>
+            <a:endParaRPr b="0" lang="en-US" sz="4400" spc="-1" strike="noStrike">
+              <a:latin typeface="Arial"/>
+            </a:endParaRPr>
+          </a:p>
+        </p:txBody>
+      </p:sp>
+      <p:sp>
+        <p:nvSpPr>
+          <p:cNvPr id="57" name="PlaceHolder 2"/>
           <p:cNvSpPr>
             <a:spLocks noGrp="1"/>
           </p:cNvSpPr>
@@ -1878,18 +1811,15 @@
             <a:normAutofit/>
           </a:bodyPr>
           <a:p>
-            <a:endParaRPr b="0" lang="zh-CN" sz="2000" spc="-1" strike="noStrike">
-              <a:solidFill>
-                <a:srgbClr val="000000"/>
-              </a:solidFill>
-              <a:latin typeface="Arial"/>
-            </a:endParaRPr>
-          </a:p>
-        </p:txBody>
-      </p:sp>
-      <p:sp>
-        <p:nvSpPr>
-          <p:cNvPr id="62" name="PlaceHolder 3"/>
+            <a:endParaRPr b="0" lang="en-US" sz="3200" spc="-1" strike="noStrike">
+              <a:latin typeface="Arial"/>
+            </a:endParaRPr>
+          </a:p>
+        </p:txBody>
+      </p:sp>
+      <p:sp>
+        <p:nvSpPr>
+          <p:cNvPr id="58" name="PlaceHolder 3"/>
           <p:cNvSpPr>
             <a:spLocks noGrp="1"/>
           </p:cNvSpPr>
@@ -1911,18 +1841,15 @@
             <a:normAutofit/>
           </a:bodyPr>
           <a:p>
-            <a:endParaRPr b="0" lang="zh-CN" sz="2000" spc="-1" strike="noStrike">
-              <a:solidFill>
-                <a:srgbClr val="000000"/>
-              </a:solidFill>
-              <a:latin typeface="Arial"/>
-            </a:endParaRPr>
-          </a:p>
-        </p:txBody>
-      </p:sp>
-      <p:sp>
-        <p:nvSpPr>
-          <p:cNvPr id="63" name="PlaceHolder 4"/>
+            <a:endParaRPr b="0" lang="en-US" sz="3200" spc="-1" strike="noStrike">
+              <a:latin typeface="Arial"/>
+            </a:endParaRPr>
+          </a:p>
+        </p:txBody>
+      </p:sp>
+      <p:sp>
+        <p:nvSpPr>
+          <p:cNvPr id="59" name="PlaceHolder 4"/>
           <p:cNvSpPr>
             <a:spLocks noGrp="1"/>
           </p:cNvSpPr>
@@ -1944,10 +1871,7 @@
             <a:normAutofit/>
           </a:bodyPr>
           <a:p>
-            <a:endParaRPr b="0" lang="zh-CN" sz="2000" spc="-1" strike="noStrike">
-              <a:solidFill>
-                <a:srgbClr val="000000"/>
-              </a:solidFill>
+            <a:endParaRPr b="0" lang="en-US" sz="3200" spc="-1" strike="noStrike">
               <a:latin typeface="Arial"/>
             </a:endParaRPr>
           </a:p>
@@ -1977,7 +1901,7 @@
       </p:grpSpPr>
       <p:sp>
         <p:nvSpPr>
-          <p:cNvPr id="64" name="PlaceHolder 1"/>
+          <p:cNvPr id="60" name="PlaceHolder 1"/>
           <p:cNvSpPr>
             <a:spLocks noGrp="1"/>
           </p:cNvSpPr>
@@ -1988,7 +1912,7 @@
         <p:spPr>
           <a:xfrm>
             <a:off x="669960" y="0"/>
-            <a:ext cx="10850040" cy="1028160"/>
+            <a:ext cx="10849680" cy="1027800"/>
           </a:xfrm>
           <a:prstGeom prst="rect">
             <a:avLst/>
@@ -1997,18 +1921,16 @@
         <p:txBody>
           <a:bodyPr lIns="0" rIns="0" tIns="0" bIns="0" anchor="ctr"/>
           <a:p>
-            <a:endParaRPr b="0" lang="zh-CN" sz="1800" spc="-1" strike="noStrike">
-              <a:solidFill>
-                <a:srgbClr val="000000"/>
-              </a:solidFill>
-              <a:latin typeface="Arial"/>
-            </a:endParaRPr>
-          </a:p>
-        </p:txBody>
-      </p:sp>
-      <p:sp>
-        <p:nvSpPr>
-          <p:cNvPr id="65" name="PlaceHolder 2"/>
+            <a:pPr algn="ctr"/>
+            <a:endParaRPr b="0" lang="en-US" sz="4400" spc="-1" strike="noStrike">
+              <a:latin typeface="Arial"/>
+            </a:endParaRPr>
+          </a:p>
+        </p:txBody>
+      </p:sp>
+      <p:sp>
+        <p:nvSpPr>
+          <p:cNvPr id="61" name="PlaceHolder 2"/>
           <p:cNvSpPr>
             <a:spLocks noGrp="1"/>
           </p:cNvSpPr>
@@ -2030,18 +1952,15 @@
             <a:normAutofit/>
           </a:bodyPr>
           <a:p>
-            <a:endParaRPr b="0" lang="zh-CN" sz="2000" spc="-1" strike="noStrike">
-              <a:solidFill>
-                <a:srgbClr val="000000"/>
-              </a:solidFill>
-              <a:latin typeface="Arial"/>
-            </a:endParaRPr>
-          </a:p>
-        </p:txBody>
-      </p:sp>
-      <p:sp>
-        <p:nvSpPr>
-          <p:cNvPr id="66" name="PlaceHolder 3"/>
+            <a:endParaRPr b="0" lang="en-US" sz="3200" spc="-1" strike="noStrike">
+              <a:latin typeface="Arial"/>
+            </a:endParaRPr>
+          </a:p>
+        </p:txBody>
+      </p:sp>
+      <p:sp>
+        <p:nvSpPr>
+          <p:cNvPr id="62" name="PlaceHolder 3"/>
           <p:cNvSpPr>
             <a:spLocks noGrp="1"/>
           </p:cNvSpPr>
@@ -2063,18 +1982,15 @@
             <a:normAutofit/>
           </a:bodyPr>
           <a:p>
-            <a:endParaRPr b="0" lang="zh-CN" sz="2000" spc="-1" strike="noStrike">
-              <a:solidFill>
-                <a:srgbClr val="000000"/>
-              </a:solidFill>
-              <a:latin typeface="Arial"/>
-            </a:endParaRPr>
-          </a:p>
-        </p:txBody>
-      </p:sp>
-      <p:sp>
-        <p:nvSpPr>
-          <p:cNvPr id="67" name="PlaceHolder 4"/>
+            <a:endParaRPr b="0" lang="en-US" sz="3200" spc="-1" strike="noStrike">
+              <a:latin typeface="Arial"/>
+            </a:endParaRPr>
+          </a:p>
+        </p:txBody>
+      </p:sp>
+      <p:sp>
+        <p:nvSpPr>
+          <p:cNvPr id="63" name="PlaceHolder 4"/>
           <p:cNvSpPr>
             <a:spLocks noGrp="1"/>
           </p:cNvSpPr>
@@ -2096,10 +2012,7 @@
             <a:normAutofit/>
           </a:bodyPr>
           <a:p>
-            <a:endParaRPr b="0" lang="zh-CN" sz="2000" spc="-1" strike="noStrike">
-              <a:solidFill>
-                <a:srgbClr val="000000"/>
-              </a:solidFill>
+            <a:endParaRPr b="0" lang="en-US" sz="3200" spc="-1" strike="noStrike">
               <a:latin typeface="Arial"/>
             </a:endParaRPr>
           </a:p>
@@ -2129,7 +2042,7 @@
       </p:grpSpPr>
       <p:sp>
         <p:nvSpPr>
-          <p:cNvPr id="68" name="PlaceHolder 1"/>
+          <p:cNvPr id="64" name="PlaceHolder 1"/>
           <p:cNvSpPr>
             <a:spLocks noGrp="1"/>
           </p:cNvSpPr>
@@ -2140,7 +2053,7 @@
         <p:spPr>
           <a:xfrm>
             <a:off x="669960" y="0"/>
-            <a:ext cx="10850040" cy="1028160"/>
+            <a:ext cx="10849680" cy="1027800"/>
           </a:xfrm>
           <a:prstGeom prst="rect">
             <a:avLst/>
@@ -2149,18 +2062,16 @@
         <p:txBody>
           <a:bodyPr lIns="0" rIns="0" tIns="0" bIns="0" anchor="ctr"/>
           <a:p>
-            <a:endParaRPr b="0" lang="zh-CN" sz="1800" spc="-1" strike="noStrike">
-              <a:solidFill>
-                <a:srgbClr val="000000"/>
-              </a:solidFill>
-              <a:latin typeface="Arial"/>
-            </a:endParaRPr>
-          </a:p>
-        </p:txBody>
-      </p:sp>
-      <p:sp>
-        <p:nvSpPr>
-          <p:cNvPr id="69" name="PlaceHolder 2"/>
+            <a:pPr algn="ctr"/>
+            <a:endParaRPr b="0" lang="en-US" sz="4400" spc="-1" strike="noStrike">
+              <a:latin typeface="Arial"/>
+            </a:endParaRPr>
+          </a:p>
+        </p:txBody>
+      </p:sp>
+      <p:sp>
+        <p:nvSpPr>
+          <p:cNvPr id="65" name="PlaceHolder 2"/>
           <p:cNvSpPr>
             <a:spLocks noGrp="1"/>
           </p:cNvSpPr>
@@ -2182,18 +2093,15 @@
             <a:normAutofit/>
           </a:bodyPr>
           <a:p>
-            <a:endParaRPr b="0" lang="zh-CN" sz="2000" spc="-1" strike="noStrike">
-              <a:solidFill>
-                <a:srgbClr val="000000"/>
-              </a:solidFill>
-              <a:latin typeface="Arial"/>
-            </a:endParaRPr>
-          </a:p>
-        </p:txBody>
-      </p:sp>
-      <p:sp>
-        <p:nvSpPr>
-          <p:cNvPr id="70" name="PlaceHolder 3"/>
+            <a:endParaRPr b="0" lang="en-US" sz="3200" spc="-1" strike="noStrike">
+              <a:latin typeface="Arial"/>
+            </a:endParaRPr>
+          </a:p>
+        </p:txBody>
+      </p:sp>
+      <p:sp>
+        <p:nvSpPr>
+          <p:cNvPr id="66" name="PlaceHolder 3"/>
           <p:cNvSpPr>
             <a:spLocks noGrp="1"/>
           </p:cNvSpPr>
@@ -2215,10 +2123,7 @@
             <a:normAutofit/>
           </a:bodyPr>
           <a:p>
-            <a:endParaRPr b="0" lang="zh-CN" sz="2000" spc="-1" strike="noStrike">
-              <a:solidFill>
-                <a:srgbClr val="000000"/>
-              </a:solidFill>
+            <a:endParaRPr b="0" lang="en-US" sz="3200" spc="-1" strike="noStrike">
               <a:latin typeface="Arial"/>
             </a:endParaRPr>
           </a:p>
@@ -2248,7 +2153,7 @@
       </p:grpSpPr>
       <p:sp>
         <p:nvSpPr>
-          <p:cNvPr id="71" name="PlaceHolder 1"/>
+          <p:cNvPr id="67" name="PlaceHolder 1"/>
           <p:cNvSpPr>
             <a:spLocks noGrp="1"/>
           </p:cNvSpPr>
@@ -2259,7 +2164,7 @@
         <p:spPr>
           <a:xfrm>
             <a:off x="669960" y="0"/>
-            <a:ext cx="10850040" cy="1028160"/>
+            <a:ext cx="10849680" cy="1027800"/>
           </a:xfrm>
           <a:prstGeom prst="rect">
             <a:avLst/>
@@ -2268,18 +2173,16 @@
         <p:txBody>
           <a:bodyPr lIns="0" rIns="0" tIns="0" bIns="0" anchor="ctr"/>
           <a:p>
-            <a:endParaRPr b="0" lang="zh-CN" sz="1800" spc="-1" strike="noStrike">
-              <a:solidFill>
-                <a:srgbClr val="000000"/>
-              </a:solidFill>
-              <a:latin typeface="Arial"/>
-            </a:endParaRPr>
-          </a:p>
-        </p:txBody>
-      </p:sp>
-      <p:sp>
-        <p:nvSpPr>
-          <p:cNvPr id="72" name="PlaceHolder 2"/>
+            <a:pPr algn="ctr"/>
+            <a:endParaRPr b="0" lang="en-US" sz="4400" spc="-1" strike="noStrike">
+              <a:latin typeface="Arial"/>
+            </a:endParaRPr>
+          </a:p>
+        </p:txBody>
+      </p:sp>
+      <p:sp>
+        <p:nvSpPr>
+          <p:cNvPr id="68" name="PlaceHolder 2"/>
           <p:cNvSpPr>
             <a:spLocks noGrp="1"/>
           </p:cNvSpPr>
@@ -2301,18 +2204,15 @@
             <a:normAutofit/>
           </a:bodyPr>
           <a:p>
-            <a:endParaRPr b="0" lang="zh-CN" sz="2000" spc="-1" strike="noStrike">
-              <a:solidFill>
-                <a:srgbClr val="000000"/>
-              </a:solidFill>
-              <a:latin typeface="Arial"/>
-            </a:endParaRPr>
-          </a:p>
-        </p:txBody>
-      </p:sp>
-      <p:sp>
-        <p:nvSpPr>
-          <p:cNvPr id="73" name="PlaceHolder 3"/>
+            <a:endParaRPr b="0" lang="en-US" sz="3200" spc="-1" strike="noStrike">
+              <a:latin typeface="Arial"/>
+            </a:endParaRPr>
+          </a:p>
+        </p:txBody>
+      </p:sp>
+      <p:sp>
+        <p:nvSpPr>
+          <p:cNvPr id="69" name="PlaceHolder 3"/>
           <p:cNvSpPr>
             <a:spLocks noGrp="1"/>
           </p:cNvSpPr>
@@ -2334,18 +2234,15 @@
             <a:normAutofit/>
           </a:bodyPr>
           <a:p>
-            <a:endParaRPr b="0" lang="zh-CN" sz="2000" spc="-1" strike="noStrike">
-              <a:solidFill>
-                <a:srgbClr val="000000"/>
-              </a:solidFill>
-              <a:latin typeface="Arial"/>
-            </a:endParaRPr>
-          </a:p>
-        </p:txBody>
-      </p:sp>
-      <p:sp>
-        <p:nvSpPr>
-          <p:cNvPr id="74" name="PlaceHolder 4"/>
+            <a:endParaRPr b="0" lang="en-US" sz="3200" spc="-1" strike="noStrike">
+              <a:latin typeface="Arial"/>
+            </a:endParaRPr>
+          </a:p>
+        </p:txBody>
+      </p:sp>
+      <p:sp>
+        <p:nvSpPr>
+          <p:cNvPr id="70" name="PlaceHolder 4"/>
           <p:cNvSpPr>
             <a:spLocks noGrp="1"/>
           </p:cNvSpPr>
@@ -2367,18 +2264,15 @@
             <a:normAutofit/>
           </a:bodyPr>
           <a:p>
-            <a:endParaRPr b="0" lang="zh-CN" sz="2000" spc="-1" strike="noStrike">
-              <a:solidFill>
-                <a:srgbClr val="000000"/>
-              </a:solidFill>
-              <a:latin typeface="Arial"/>
-            </a:endParaRPr>
-          </a:p>
-        </p:txBody>
-      </p:sp>
-      <p:sp>
-        <p:nvSpPr>
-          <p:cNvPr id="75" name="PlaceHolder 5"/>
+            <a:endParaRPr b="0" lang="en-US" sz="3200" spc="-1" strike="noStrike">
+              <a:latin typeface="Arial"/>
+            </a:endParaRPr>
+          </a:p>
+        </p:txBody>
+      </p:sp>
+      <p:sp>
+        <p:nvSpPr>
+          <p:cNvPr id="71" name="PlaceHolder 5"/>
           <p:cNvSpPr>
             <a:spLocks noGrp="1"/>
           </p:cNvSpPr>
@@ -2400,10 +2294,7 @@
             <a:normAutofit/>
           </a:bodyPr>
           <a:p>
-            <a:endParaRPr b="0" lang="zh-CN" sz="2000" spc="-1" strike="noStrike">
-              <a:solidFill>
-                <a:srgbClr val="000000"/>
-              </a:solidFill>
+            <a:endParaRPr b="0" lang="en-US" sz="3200" spc="-1" strike="noStrike">
               <a:latin typeface="Arial"/>
             </a:endParaRPr>
           </a:p>
@@ -2433,7 +2324,7 @@
       </p:grpSpPr>
       <p:sp>
         <p:nvSpPr>
-          <p:cNvPr id="76" name="PlaceHolder 1"/>
+          <p:cNvPr id="72" name="PlaceHolder 1"/>
           <p:cNvSpPr>
             <a:spLocks noGrp="1"/>
           </p:cNvSpPr>
@@ -2444,7 +2335,7 @@
         <p:spPr>
           <a:xfrm>
             <a:off x="669960" y="0"/>
-            <a:ext cx="10850040" cy="1028160"/>
+            <a:ext cx="10849680" cy="1027800"/>
           </a:xfrm>
           <a:prstGeom prst="rect">
             <a:avLst/>
@@ -2453,18 +2344,16 @@
         <p:txBody>
           <a:bodyPr lIns="0" rIns="0" tIns="0" bIns="0" anchor="ctr"/>
           <a:p>
-            <a:endParaRPr b="0" lang="zh-CN" sz="1800" spc="-1" strike="noStrike">
-              <a:solidFill>
-                <a:srgbClr val="000000"/>
-              </a:solidFill>
-              <a:latin typeface="Arial"/>
-            </a:endParaRPr>
-          </a:p>
-        </p:txBody>
-      </p:sp>
-      <p:sp>
-        <p:nvSpPr>
-          <p:cNvPr id="77" name="PlaceHolder 2"/>
+            <a:pPr algn="ctr"/>
+            <a:endParaRPr b="0" lang="en-US" sz="4400" spc="-1" strike="noStrike">
+              <a:latin typeface="Arial"/>
+            </a:endParaRPr>
+          </a:p>
+        </p:txBody>
+      </p:sp>
+      <p:sp>
+        <p:nvSpPr>
+          <p:cNvPr id="73" name="PlaceHolder 2"/>
           <p:cNvSpPr>
             <a:spLocks noGrp="1"/>
           </p:cNvSpPr>
@@ -2486,18 +2375,15 @@
             <a:normAutofit/>
           </a:bodyPr>
           <a:p>
-            <a:endParaRPr b="0" lang="zh-CN" sz="2000" spc="-1" strike="noStrike">
-              <a:solidFill>
-                <a:srgbClr val="000000"/>
-              </a:solidFill>
-              <a:latin typeface="Arial"/>
-            </a:endParaRPr>
-          </a:p>
-        </p:txBody>
-      </p:sp>
-      <p:sp>
-        <p:nvSpPr>
-          <p:cNvPr id="78" name="PlaceHolder 3"/>
+            <a:endParaRPr b="0" lang="en-US" sz="3200" spc="-1" strike="noStrike">
+              <a:latin typeface="Arial"/>
+            </a:endParaRPr>
+          </a:p>
+        </p:txBody>
+      </p:sp>
+      <p:sp>
+        <p:nvSpPr>
+          <p:cNvPr id="74" name="PlaceHolder 3"/>
           <p:cNvSpPr>
             <a:spLocks noGrp="1"/>
           </p:cNvSpPr>
@@ -2519,18 +2405,15 @@
             <a:normAutofit/>
           </a:bodyPr>
           <a:p>
-            <a:endParaRPr b="0" lang="zh-CN" sz="2000" spc="-1" strike="noStrike">
-              <a:solidFill>
-                <a:srgbClr val="000000"/>
-              </a:solidFill>
-              <a:latin typeface="Arial"/>
-            </a:endParaRPr>
-          </a:p>
-        </p:txBody>
-      </p:sp>
-      <p:sp>
-        <p:nvSpPr>
-          <p:cNvPr id="79" name="PlaceHolder 4"/>
+            <a:endParaRPr b="0" lang="en-US" sz="3200" spc="-1" strike="noStrike">
+              <a:latin typeface="Arial"/>
+            </a:endParaRPr>
+          </a:p>
+        </p:txBody>
+      </p:sp>
+      <p:sp>
+        <p:nvSpPr>
+          <p:cNvPr id="75" name="PlaceHolder 4"/>
           <p:cNvSpPr>
             <a:spLocks noGrp="1"/>
           </p:cNvSpPr>
@@ -2552,18 +2435,15 @@
             <a:normAutofit/>
           </a:bodyPr>
           <a:p>
-            <a:endParaRPr b="0" lang="zh-CN" sz="2000" spc="-1" strike="noStrike">
-              <a:solidFill>
-                <a:srgbClr val="000000"/>
-              </a:solidFill>
-              <a:latin typeface="Arial"/>
-            </a:endParaRPr>
-          </a:p>
-        </p:txBody>
-      </p:sp>
-      <p:sp>
-        <p:nvSpPr>
-          <p:cNvPr id="80" name="PlaceHolder 5"/>
+            <a:endParaRPr b="0" lang="en-US" sz="3200" spc="-1" strike="noStrike">
+              <a:latin typeface="Arial"/>
+            </a:endParaRPr>
+          </a:p>
+        </p:txBody>
+      </p:sp>
+      <p:sp>
+        <p:nvSpPr>
+          <p:cNvPr id="76" name="PlaceHolder 5"/>
           <p:cNvSpPr>
             <a:spLocks noGrp="1"/>
           </p:cNvSpPr>
@@ -2585,18 +2465,15 @@
             <a:normAutofit/>
           </a:bodyPr>
           <a:p>
-            <a:endParaRPr b="0" lang="zh-CN" sz="2000" spc="-1" strike="noStrike">
-              <a:solidFill>
-                <a:srgbClr val="000000"/>
-              </a:solidFill>
-              <a:latin typeface="Arial"/>
-            </a:endParaRPr>
-          </a:p>
-        </p:txBody>
-      </p:sp>
-      <p:sp>
-        <p:nvSpPr>
-          <p:cNvPr id="81" name="PlaceHolder 6"/>
+            <a:endParaRPr b="0" lang="en-US" sz="3200" spc="-1" strike="noStrike">
+              <a:latin typeface="Arial"/>
+            </a:endParaRPr>
+          </a:p>
+        </p:txBody>
+      </p:sp>
+      <p:sp>
+        <p:nvSpPr>
+          <p:cNvPr id="77" name="PlaceHolder 6"/>
           <p:cNvSpPr>
             <a:spLocks noGrp="1"/>
           </p:cNvSpPr>
@@ -2618,18 +2495,15 @@
             <a:normAutofit/>
           </a:bodyPr>
           <a:p>
-            <a:endParaRPr b="0" lang="zh-CN" sz="2000" spc="-1" strike="noStrike">
-              <a:solidFill>
-                <a:srgbClr val="000000"/>
-              </a:solidFill>
-              <a:latin typeface="Arial"/>
-            </a:endParaRPr>
-          </a:p>
-        </p:txBody>
-      </p:sp>
-      <p:sp>
-        <p:nvSpPr>
-          <p:cNvPr id="82" name="PlaceHolder 7"/>
+            <a:endParaRPr b="0" lang="en-US" sz="3200" spc="-1" strike="noStrike">
+              <a:latin typeface="Arial"/>
+            </a:endParaRPr>
+          </a:p>
+        </p:txBody>
+      </p:sp>
+      <p:sp>
+        <p:nvSpPr>
+          <p:cNvPr id="78" name="PlaceHolder 7"/>
           <p:cNvSpPr>
             <a:spLocks noGrp="1"/>
           </p:cNvSpPr>
@@ -2651,10 +2525,7 @@
             <a:normAutofit/>
           </a:bodyPr>
           <a:p>
-            <a:endParaRPr b="0" lang="zh-CN" sz="2000" spc="-1" strike="noStrike">
-              <a:solidFill>
-                <a:srgbClr val="000000"/>
-              </a:solidFill>
+            <a:endParaRPr b="0" lang="en-US" sz="3200" spc="-1" strike="noStrike">
               <a:latin typeface="Arial"/>
             </a:endParaRPr>
           </a:p>
@@ -2684,7 +2555,7 @@
       </p:grpSpPr>
       <p:sp>
         <p:nvSpPr>
-          <p:cNvPr id="7" name="PlaceHolder 1"/>
+          <p:cNvPr id="6" name="PlaceHolder 1"/>
           <p:cNvSpPr>
             <a:spLocks noGrp="1"/>
           </p:cNvSpPr>
@@ -2695,7 +2566,7 @@
         <p:spPr>
           <a:xfrm>
             <a:off x="669960" y="0"/>
-            <a:ext cx="10850040" cy="1028160"/>
+            <a:ext cx="10849680" cy="1027800"/>
           </a:xfrm>
           <a:prstGeom prst="rect">
             <a:avLst/>
@@ -2704,18 +2575,16 @@
         <p:txBody>
           <a:bodyPr lIns="0" rIns="0" tIns="0" bIns="0" anchor="ctr"/>
           <a:p>
-            <a:endParaRPr b="0" lang="zh-CN" sz="1800" spc="-1" strike="noStrike">
-              <a:solidFill>
-                <a:srgbClr val="000000"/>
-              </a:solidFill>
-              <a:latin typeface="Arial"/>
-            </a:endParaRPr>
-          </a:p>
-        </p:txBody>
-      </p:sp>
-      <p:sp>
-        <p:nvSpPr>
-          <p:cNvPr id="8" name="PlaceHolder 2"/>
+            <a:pPr algn="ctr"/>
+            <a:endParaRPr b="0" lang="en-US" sz="4400" spc="-1" strike="noStrike">
+              <a:latin typeface="Arial"/>
+            </a:endParaRPr>
+          </a:p>
+        </p:txBody>
+      </p:sp>
+      <p:sp>
+        <p:nvSpPr>
+          <p:cNvPr id="7" name="PlaceHolder 2"/>
           <p:cNvSpPr>
             <a:spLocks noGrp="1"/>
           </p:cNvSpPr>
@@ -2737,10 +2606,7 @@
             <a:normAutofit/>
           </a:bodyPr>
           <a:p>
-            <a:endParaRPr b="0" lang="zh-CN" sz="2000" spc="-1" strike="noStrike">
-              <a:solidFill>
-                <a:srgbClr val="000000"/>
-              </a:solidFill>
+            <a:endParaRPr b="0" lang="en-US" sz="3200" spc="-1" strike="noStrike">
               <a:latin typeface="Arial"/>
             </a:endParaRPr>
           </a:p>
@@ -2770,7 +2636,7 @@
       </p:grpSpPr>
       <p:sp>
         <p:nvSpPr>
-          <p:cNvPr id="9" name="PlaceHolder 1"/>
+          <p:cNvPr id="8" name="PlaceHolder 1"/>
           <p:cNvSpPr>
             <a:spLocks noGrp="1"/>
           </p:cNvSpPr>
@@ -2781,7 +2647,7 @@
         <p:spPr>
           <a:xfrm>
             <a:off x="669960" y="0"/>
-            <a:ext cx="10850040" cy="1028160"/>
+            <a:ext cx="10849680" cy="1027800"/>
           </a:xfrm>
           <a:prstGeom prst="rect">
             <a:avLst/>
@@ -2790,18 +2656,16 @@
         <p:txBody>
           <a:bodyPr lIns="0" rIns="0" tIns="0" bIns="0" anchor="ctr"/>
           <a:p>
-            <a:endParaRPr b="0" lang="zh-CN" sz="1800" spc="-1" strike="noStrike">
-              <a:solidFill>
-                <a:srgbClr val="000000"/>
-              </a:solidFill>
-              <a:latin typeface="Arial"/>
-            </a:endParaRPr>
-          </a:p>
-        </p:txBody>
-      </p:sp>
-      <p:sp>
-        <p:nvSpPr>
-          <p:cNvPr id="10" name="PlaceHolder 2"/>
+            <a:pPr algn="ctr"/>
+            <a:endParaRPr b="0" lang="en-US" sz="4400" spc="-1" strike="noStrike">
+              <a:latin typeface="Arial"/>
+            </a:endParaRPr>
+          </a:p>
+        </p:txBody>
+      </p:sp>
+      <p:sp>
+        <p:nvSpPr>
+          <p:cNvPr id="9" name="PlaceHolder 2"/>
           <p:cNvSpPr>
             <a:spLocks noGrp="1"/>
           </p:cNvSpPr>
@@ -2823,18 +2687,15 @@
             <a:normAutofit/>
           </a:bodyPr>
           <a:p>
-            <a:endParaRPr b="0" lang="zh-CN" sz="2000" spc="-1" strike="noStrike">
-              <a:solidFill>
-                <a:srgbClr val="000000"/>
-              </a:solidFill>
-              <a:latin typeface="Arial"/>
-            </a:endParaRPr>
-          </a:p>
-        </p:txBody>
-      </p:sp>
-      <p:sp>
-        <p:nvSpPr>
-          <p:cNvPr id="11" name="PlaceHolder 3"/>
+            <a:endParaRPr b="0" lang="en-US" sz="3200" spc="-1" strike="noStrike">
+              <a:latin typeface="Arial"/>
+            </a:endParaRPr>
+          </a:p>
+        </p:txBody>
+      </p:sp>
+      <p:sp>
+        <p:nvSpPr>
+          <p:cNvPr id="10" name="PlaceHolder 3"/>
           <p:cNvSpPr>
             <a:spLocks noGrp="1"/>
           </p:cNvSpPr>
@@ -2856,10 +2717,7 @@
             <a:normAutofit/>
           </a:bodyPr>
           <a:p>
-            <a:endParaRPr b="0" lang="zh-CN" sz="2000" spc="-1" strike="noStrike">
-              <a:solidFill>
-                <a:srgbClr val="000000"/>
-              </a:solidFill>
+            <a:endParaRPr b="0" lang="en-US" sz="3200" spc="-1" strike="noStrike">
               <a:latin typeface="Arial"/>
             </a:endParaRPr>
           </a:p>
@@ -2889,7 +2747,7 @@
       </p:grpSpPr>
       <p:sp>
         <p:nvSpPr>
-          <p:cNvPr id="12" name="PlaceHolder 1"/>
+          <p:cNvPr id="11" name="PlaceHolder 1"/>
           <p:cNvSpPr>
             <a:spLocks noGrp="1"/>
           </p:cNvSpPr>
@@ -2900,7 +2758,7 @@
         <p:spPr>
           <a:xfrm>
             <a:off x="669960" y="0"/>
-            <a:ext cx="10850040" cy="1028160"/>
+            <a:ext cx="10849680" cy="1027800"/>
           </a:xfrm>
           <a:prstGeom prst="rect">
             <a:avLst/>
@@ -2909,10 +2767,8 @@
         <p:txBody>
           <a:bodyPr lIns="0" rIns="0" tIns="0" bIns="0" anchor="ctr"/>
           <a:p>
-            <a:endParaRPr b="0" lang="zh-CN" sz="1800" spc="-1" strike="noStrike">
-              <a:solidFill>
-                <a:srgbClr val="000000"/>
-              </a:solidFill>
+            <a:pPr algn="ctr"/>
+            <a:endParaRPr b="0" lang="en-US" sz="4400" spc="-1" strike="noStrike">
               <a:latin typeface="Arial"/>
             </a:endParaRPr>
           </a:p>
@@ -2942,7 +2798,7 @@
       </p:grpSpPr>
       <p:sp>
         <p:nvSpPr>
-          <p:cNvPr id="13" name="PlaceHolder 1"/>
+          <p:cNvPr id="12" name="PlaceHolder 1"/>
           <p:cNvSpPr>
             <a:spLocks noGrp="1"/>
           </p:cNvSpPr>
@@ -2953,7 +2809,7 @@
         <p:spPr>
           <a:xfrm>
             <a:off x="669960" y="0"/>
-            <a:ext cx="10850040" cy="4767120"/>
+            <a:ext cx="10849680" cy="4765680"/>
           </a:xfrm>
           <a:prstGeom prst="rect">
             <a:avLst/>
@@ -2993,7 +2849,7 @@
       </p:grpSpPr>
       <p:sp>
         <p:nvSpPr>
-          <p:cNvPr id="14" name="PlaceHolder 1"/>
+          <p:cNvPr id="13" name="PlaceHolder 1"/>
           <p:cNvSpPr>
             <a:spLocks noGrp="1"/>
           </p:cNvSpPr>
@@ -3004,7 +2860,7 @@
         <p:spPr>
           <a:xfrm>
             <a:off x="669960" y="0"/>
-            <a:ext cx="10850040" cy="1028160"/>
+            <a:ext cx="10849680" cy="1027800"/>
           </a:xfrm>
           <a:prstGeom prst="rect">
             <a:avLst/>
@@ -3013,18 +2869,16 @@
         <p:txBody>
           <a:bodyPr lIns="0" rIns="0" tIns="0" bIns="0" anchor="ctr"/>
           <a:p>
-            <a:endParaRPr b="0" lang="zh-CN" sz="1800" spc="-1" strike="noStrike">
-              <a:solidFill>
-                <a:srgbClr val="000000"/>
-              </a:solidFill>
-              <a:latin typeface="Arial"/>
-            </a:endParaRPr>
-          </a:p>
-        </p:txBody>
-      </p:sp>
-      <p:sp>
-        <p:nvSpPr>
-          <p:cNvPr id="15" name="PlaceHolder 2"/>
+            <a:pPr algn="ctr"/>
+            <a:endParaRPr b="0" lang="en-US" sz="4400" spc="-1" strike="noStrike">
+              <a:latin typeface="Arial"/>
+            </a:endParaRPr>
+          </a:p>
+        </p:txBody>
+      </p:sp>
+      <p:sp>
+        <p:nvSpPr>
+          <p:cNvPr id="14" name="PlaceHolder 2"/>
           <p:cNvSpPr>
             <a:spLocks noGrp="1"/>
           </p:cNvSpPr>
@@ -3046,18 +2900,15 @@
             <a:normAutofit/>
           </a:bodyPr>
           <a:p>
-            <a:endParaRPr b="0" lang="zh-CN" sz="2000" spc="-1" strike="noStrike">
-              <a:solidFill>
-                <a:srgbClr val="000000"/>
-              </a:solidFill>
-              <a:latin typeface="Arial"/>
-            </a:endParaRPr>
-          </a:p>
-        </p:txBody>
-      </p:sp>
-      <p:sp>
-        <p:nvSpPr>
-          <p:cNvPr id="16" name="PlaceHolder 3"/>
+            <a:endParaRPr b="0" lang="en-US" sz="3200" spc="-1" strike="noStrike">
+              <a:latin typeface="Arial"/>
+            </a:endParaRPr>
+          </a:p>
+        </p:txBody>
+      </p:sp>
+      <p:sp>
+        <p:nvSpPr>
+          <p:cNvPr id="15" name="PlaceHolder 3"/>
           <p:cNvSpPr>
             <a:spLocks noGrp="1"/>
           </p:cNvSpPr>
@@ -3079,18 +2930,15 @@
             <a:normAutofit/>
           </a:bodyPr>
           <a:p>
-            <a:endParaRPr b="0" lang="zh-CN" sz="2000" spc="-1" strike="noStrike">
-              <a:solidFill>
-                <a:srgbClr val="000000"/>
-              </a:solidFill>
-              <a:latin typeface="Arial"/>
-            </a:endParaRPr>
-          </a:p>
-        </p:txBody>
-      </p:sp>
-      <p:sp>
-        <p:nvSpPr>
-          <p:cNvPr id="17" name="PlaceHolder 4"/>
+            <a:endParaRPr b="0" lang="en-US" sz="3200" spc="-1" strike="noStrike">
+              <a:latin typeface="Arial"/>
+            </a:endParaRPr>
+          </a:p>
+        </p:txBody>
+      </p:sp>
+      <p:sp>
+        <p:nvSpPr>
+          <p:cNvPr id="16" name="PlaceHolder 4"/>
           <p:cNvSpPr>
             <a:spLocks noGrp="1"/>
           </p:cNvSpPr>
@@ -3112,10 +2960,7 @@
             <a:normAutofit/>
           </a:bodyPr>
           <a:p>
-            <a:endParaRPr b="0" lang="zh-CN" sz="2000" spc="-1" strike="noStrike">
-              <a:solidFill>
-                <a:srgbClr val="000000"/>
-              </a:solidFill>
+            <a:endParaRPr b="0" lang="en-US" sz="3200" spc="-1" strike="noStrike">
               <a:latin typeface="Arial"/>
             </a:endParaRPr>
           </a:p>
@@ -3145,7 +2990,7 @@
       </p:grpSpPr>
       <p:sp>
         <p:nvSpPr>
-          <p:cNvPr id="18" name="PlaceHolder 1"/>
+          <p:cNvPr id="17" name="PlaceHolder 1"/>
           <p:cNvSpPr>
             <a:spLocks noGrp="1"/>
           </p:cNvSpPr>
@@ -3156,7 +3001,7 @@
         <p:spPr>
           <a:xfrm>
             <a:off x="669960" y="0"/>
-            <a:ext cx="10850040" cy="1028160"/>
+            <a:ext cx="10849680" cy="1027800"/>
           </a:xfrm>
           <a:prstGeom prst="rect">
             <a:avLst/>
@@ -3165,18 +3010,16 @@
         <p:txBody>
           <a:bodyPr lIns="0" rIns="0" tIns="0" bIns="0" anchor="ctr"/>
           <a:p>
-            <a:endParaRPr b="0" lang="zh-CN" sz="1800" spc="-1" strike="noStrike">
-              <a:solidFill>
-                <a:srgbClr val="000000"/>
-              </a:solidFill>
-              <a:latin typeface="Arial"/>
-            </a:endParaRPr>
-          </a:p>
-        </p:txBody>
-      </p:sp>
-      <p:sp>
-        <p:nvSpPr>
-          <p:cNvPr id="19" name="PlaceHolder 2"/>
+            <a:pPr algn="ctr"/>
+            <a:endParaRPr b="0" lang="en-US" sz="4400" spc="-1" strike="noStrike">
+              <a:latin typeface="Arial"/>
+            </a:endParaRPr>
+          </a:p>
+        </p:txBody>
+      </p:sp>
+      <p:sp>
+        <p:nvSpPr>
+          <p:cNvPr id="18" name="PlaceHolder 2"/>
           <p:cNvSpPr>
             <a:spLocks noGrp="1"/>
           </p:cNvSpPr>
@@ -3198,18 +3041,15 @@
             <a:normAutofit/>
           </a:bodyPr>
           <a:p>
-            <a:endParaRPr b="0" lang="zh-CN" sz="2000" spc="-1" strike="noStrike">
-              <a:solidFill>
-                <a:srgbClr val="000000"/>
-              </a:solidFill>
-              <a:latin typeface="Arial"/>
-            </a:endParaRPr>
-          </a:p>
-        </p:txBody>
-      </p:sp>
-      <p:sp>
-        <p:nvSpPr>
-          <p:cNvPr id="20" name="PlaceHolder 3"/>
+            <a:endParaRPr b="0" lang="en-US" sz="3200" spc="-1" strike="noStrike">
+              <a:latin typeface="Arial"/>
+            </a:endParaRPr>
+          </a:p>
+        </p:txBody>
+      </p:sp>
+      <p:sp>
+        <p:nvSpPr>
+          <p:cNvPr id="19" name="PlaceHolder 3"/>
           <p:cNvSpPr>
             <a:spLocks noGrp="1"/>
           </p:cNvSpPr>
@@ -3231,18 +3071,15 @@
             <a:normAutofit/>
           </a:bodyPr>
           <a:p>
-            <a:endParaRPr b="0" lang="zh-CN" sz="2000" spc="-1" strike="noStrike">
-              <a:solidFill>
-                <a:srgbClr val="000000"/>
-              </a:solidFill>
-              <a:latin typeface="Arial"/>
-            </a:endParaRPr>
-          </a:p>
-        </p:txBody>
-      </p:sp>
-      <p:sp>
-        <p:nvSpPr>
-          <p:cNvPr id="21" name="PlaceHolder 4"/>
+            <a:endParaRPr b="0" lang="en-US" sz="3200" spc="-1" strike="noStrike">
+              <a:latin typeface="Arial"/>
+            </a:endParaRPr>
+          </a:p>
+        </p:txBody>
+      </p:sp>
+      <p:sp>
+        <p:nvSpPr>
+          <p:cNvPr id="20" name="PlaceHolder 4"/>
           <p:cNvSpPr>
             <a:spLocks noGrp="1"/>
           </p:cNvSpPr>
@@ -3264,10 +3101,7 @@
             <a:normAutofit/>
           </a:bodyPr>
           <a:p>
-            <a:endParaRPr b="0" lang="zh-CN" sz="2000" spc="-1" strike="noStrike">
-              <a:solidFill>
-                <a:srgbClr val="000000"/>
-              </a:solidFill>
+            <a:endParaRPr b="0" lang="en-US" sz="3200" spc="-1" strike="noStrike">
               <a:latin typeface="Arial"/>
             </a:endParaRPr>
           </a:p>
@@ -3297,7 +3131,7 @@
       </p:grpSpPr>
       <p:sp>
         <p:nvSpPr>
-          <p:cNvPr id="22" name="PlaceHolder 1"/>
+          <p:cNvPr id="21" name="PlaceHolder 1"/>
           <p:cNvSpPr>
             <a:spLocks noGrp="1"/>
           </p:cNvSpPr>
@@ -3308,7 +3142,7 @@
         <p:spPr>
           <a:xfrm>
             <a:off x="669960" y="0"/>
-            <a:ext cx="10850040" cy="1028160"/>
+            <a:ext cx="10849680" cy="1027800"/>
           </a:xfrm>
           <a:prstGeom prst="rect">
             <a:avLst/>
@@ -3317,18 +3151,16 @@
         <p:txBody>
           <a:bodyPr lIns="0" rIns="0" tIns="0" bIns="0" anchor="ctr"/>
           <a:p>
-            <a:endParaRPr b="0" lang="zh-CN" sz="1800" spc="-1" strike="noStrike">
-              <a:solidFill>
-                <a:srgbClr val="000000"/>
-              </a:solidFill>
-              <a:latin typeface="Arial"/>
-            </a:endParaRPr>
-          </a:p>
-        </p:txBody>
-      </p:sp>
-      <p:sp>
-        <p:nvSpPr>
-          <p:cNvPr id="23" name="PlaceHolder 2"/>
+            <a:pPr algn="ctr"/>
+            <a:endParaRPr b="0" lang="en-US" sz="4400" spc="-1" strike="noStrike">
+              <a:latin typeface="Arial"/>
+            </a:endParaRPr>
+          </a:p>
+        </p:txBody>
+      </p:sp>
+      <p:sp>
+        <p:nvSpPr>
+          <p:cNvPr id="22" name="PlaceHolder 2"/>
           <p:cNvSpPr>
             <a:spLocks noGrp="1"/>
           </p:cNvSpPr>
@@ -3350,18 +3182,15 @@
             <a:normAutofit/>
           </a:bodyPr>
           <a:p>
-            <a:endParaRPr b="0" lang="zh-CN" sz="2000" spc="-1" strike="noStrike">
-              <a:solidFill>
-                <a:srgbClr val="000000"/>
-              </a:solidFill>
-              <a:latin typeface="Arial"/>
-            </a:endParaRPr>
-          </a:p>
-        </p:txBody>
-      </p:sp>
-      <p:sp>
-        <p:nvSpPr>
-          <p:cNvPr id="24" name="PlaceHolder 3"/>
+            <a:endParaRPr b="0" lang="en-US" sz="3200" spc="-1" strike="noStrike">
+              <a:latin typeface="Arial"/>
+            </a:endParaRPr>
+          </a:p>
+        </p:txBody>
+      </p:sp>
+      <p:sp>
+        <p:nvSpPr>
+          <p:cNvPr id="23" name="PlaceHolder 3"/>
           <p:cNvSpPr>
             <a:spLocks noGrp="1"/>
           </p:cNvSpPr>
@@ -3383,18 +3212,15 @@
             <a:normAutofit/>
           </a:bodyPr>
           <a:p>
-            <a:endParaRPr b="0" lang="zh-CN" sz="2000" spc="-1" strike="noStrike">
-              <a:solidFill>
-                <a:srgbClr val="000000"/>
-              </a:solidFill>
-              <a:latin typeface="Arial"/>
-            </a:endParaRPr>
-          </a:p>
-        </p:txBody>
-      </p:sp>
-      <p:sp>
-        <p:nvSpPr>
-          <p:cNvPr id="25" name="PlaceHolder 4"/>
+            <a:endParaRPr b="0" lang="en-US" sz="3200" spc="-1" strike="noStrike">
+              <a:latin typeface="Arial"/>
+            </a:endParaRPr>
+          </a:p>
+        </p:txBody>
+      </p:sp>
+      <p:sp>
+        <p:nvSpPr>
+          <p:cNvPr id="24" name="PlaceHolder 4"/>
           <p:cNvSpPr>
             <a:spLocks noGrp="1"/>
           </p:cNvSpPr>
@@ -3416,10 +3242,7 @@
             <a:normAutofit/>
           </a:bodyPr>
           <a:p>
-            <a:endParaRPr b="0" lang="zh-CN" sz="2000" spc="-1" strike="noStrike">
-              <a:solidFill>
-                <a:srgbClr val="000000"/>
-              </a:solidFill>
+            <a:endParaRPr b="0" lang="en-US" sz="3200" spc="-1" strike="noStrike">
               <a:latin typeface="Arial"/>
             </a:endParaRPr>
           </a:p>
@@ -3475,6 +3298,7 @@
                 <a:lumOff val="50000"/>
               </a:schemeClr>
             </a:solidFill>
+            <a:round/>
           </a:ln>
         </p:spPr>
         <p:style>
@@ -3503,7 +3327,7 @@
         <p:spPr>
           <a:xfrm>
             <a:off x="1080" y="0"/>
-            <a:ext cx="12189240" cy="6857640"/>
+            <a:ext cx="12188880" cy="6857280"/>
           </a:xfrm>
           <a:prstGeom prst="rect">
             <a:avLst/>
@@ -3525,135 +3349,203 @@
         </p:nvSpPr>
         <p:spPr>
           <a:xfrm>
-            <a:off x="669960" y="1201680"/>
-            <a:ext cx="5787000" cy="1092240"/>
-          </a:xfrm>
-          <a:prstGeom prst="rect">
-            <a:avLst/>
-          </a:prstGeom>
-        </p:spPr>
-        <p:txBody>
-          <a:bodyPr anchor="ctr">
+            <a:off x="609480" y="273600"/>
+            <a:ext cx="10972440" cy="1144800"/>
+          </a:xfrm>
+          <a:prstGeom prst="rect">
+            <a:avLst/>
+          </a:prstGeom>
+        </p:spPr>
+        <p:txBody>
+          <a:bodyPr lIns="0" rIns="0" tIns="0" bIns="0" anchor="ctr"/>
+          <a:p>
+            <a:pPr algn="ctr"/>
+            <a:r>
+              <a:rPr b="0" lang="en-US" sz="4400" spc="-1" strike="noStrike">
+                <a:latin typeface="Arial"/>
+              </a:rPr>
+              <a:t>单击鼠标编辑标题文字格式</a:t>
+            </a:r>
+            <a:endParaRPr b="0" lang="en-US" sz="4400" spc="-1" strike="noStrike">
+              <a:latin typeface="Arial"/>
+            </a:endParaRPr>
+          </a:p>
+        </p:txBody>
+      </p:sp>
+      <p:sp>
+        <p:nvSpPr>
+          <p:cNvPr id="3" name="PlaceHolder 3"/>
+          <p:cNvSpPr>
+            <a:spLocks noGrp="1"/>
+          </p:cNvSpPr>
+          <p:nvPr>
+            <p:ph type="body"/>
+          </p:nvPr>
+        </p:nvSpPr>
+        <p:spPr>
+          <a:xfrm>
+            <a:off x="609480" y="1604520"/>
+            <a:ext cx="10972440" cy="3977280"/>
+          </a:xfrm>
+          <a:prstGeom prst="rect">
+            <a:avLst/>
+          </a:prstGeom>
+        </p:spPr>
+        <p:txBody>
+          <a:bodyPr lIns="0" rIns="0" tIns="0" bIns="0">
             <a:normAutofit/>
           </a:bodyPr>
           <a:p>
-            <a:pPr>
-              <a:lnSpc>
-                <a:spcPct val="90000"/>
-              </a:lnSpc>
-            </a:pPr>
-            <a:r>
-              <a:rPr b="1" lang="zh-CN" sz="4000" spc="-1" strike="noStrike">
-                <a:solidFill>
-                  <a:srgbClr val="000000"/>
-                </a:solidFill>
-                <a:latin typeface="Arial"/>
-                <a:ea typeface="微软雅黑"/>
-              </a:rPr>
-              <a:t>Click to edit Master title style</a:t>
-            </a:r>
-            <a:endParaRPr b="0" lang="zh-CN" sz="4000" spc="-1" strike="noStrike">
-              <a:solidFill>
+            <a:pPr marL="432000" indent="-324000">
+              <a:spcBef>
+                <a:spcPts val="1417"/>
+              </a:spcBef>
+              <a:buClr>
                 <a:srgbClr val="000000"/>
-              </a:solidFill>
-              <a:latin typeface="Arial"/>
-            </a:endParaRPr>
-          </a:p>
-        </p:txBody>
-      </p:sp>
-      <p:sp>
-        <p:nvSpPr>
-          <p:cNvPr id="3" name="PlaceHolder 3"/>
-          <p:cNvSpPr>
-            <a:spLocks noGrp="1"/>
-          </p:cNvSpPr>
-          <p:nvPr>
-            <p:ph type="body"/>
-          </p:nvPr>
-        </p:nvSpPr>
-        <p:spPr>
-          <a:xfrm>
-            <a:off x="669960" y="3410640"/>
-            <a:ext cx="2913480" cy="248040"/>
-          </a:xfrm>
-          <a:prstGeom prst="rect">
-            <a:avLst/>
-          </a:prstGeom>
-        </p:spPr>
-        <p:txBody>
-          <a:bodyPr anchor="ctr"/>
-          <a:p>
-            <a:pPr>
-              <a:lnSpc>
-                <a:spcPct val="90000"/>
-              </a:lnSpc>
+              </a:buClr>
+              <a:buSzPct val="45000"/>
+              <a:buFont typeface="Wingdings" charset="2"/>
+              <a:buChar char=""/>
+            </a:pPr>
+            <a:r>
+              <a:rPr b="0" lang="en-US" sz="3200" spc="-1" strike="noStrike">
+                <a:latin typeface="Arial"/>
+              </a:rPr>
+              <a:t>单击鼠标编辑大纲文字格式</a:t>
+            </a:r>
+            <a:endParaRPr b="0" lang="en-US" sz="3200" spc="-1" strike="noStrike">
+              <a:latin typeface="Arial"/>
+            </a:endParaRPr>
+          </a:p>
+          <a:p>
+            <a:pPr lvl="1" marL="864000" indent="-324000">
               <a:spcBef>
-                <a:spcPts val="1001"/>
+                <a:spcPts val="1134"/>
               </a:spcBef>
-            </a:pPr>
-            <a:r>
-              <a:rPr b="0" lang="zh-CN" sz="1500" spc="-1" strike="noStrike">
-                <a:solidFill>
-                  <a:srgbClr val="000000"/>
-                </a:solidFill>
-                <a:latin typeface="Arial"/>
-                <a:ea typeface="微软雅黑"/>
-              </a:rPr>
-              <a:t>Signature</a:t>
-            </a:r>
-            <a:endParaRPr b="0" lang="zh-CN" sz="1500" spc="-1" strike="noStrike">
-              <a:solidFill>
+              <a:buClr>
                 <a:srgbClr val="000000"/>
-              </a:solidFill>
-              <a:latin typeface="Arial"/>
-            </a:endParaRPr>
-          </a:p>
-        </p:txBody>
-      </p:sp>
-      <p:sp>
-        <p:nvSpPr>
-          <p:cNvPr id="4" name="PlaceHolder 4"/>
-          <p:cNvSpPr>
-            <a:spLocks noGrp="1"/>
-          </p:cNvSpPr>
-          <p:nvPr>
-            <p:ph type="body"/>
-          </p:nvPr>
-        </p:nvSpPr>
-        <p:spPr>
-          <a:xfrm>
-            <a:off x="669960" y="3661920"/>
-            <a:ext cx="2913480" cy="248040"/>
-          </a:xfrm>
-          <a:prstGeom prst="rect">
-            <a:avLst/>
-          </a:prstGeom>
-        </p:spPr>
-        <p:txBody>
-          <a:bodyPr anchor="ctr"/>
-          <a:p>
-            <a:pPr>
-              <a:lnSpc>
-                <a:spcPct val="90000"/>
-              </a:lnSpc>
+              </a:buClr>
+              <a:buSzPct val="75000"/>
+              <a:buFont typeface="Symbol" charset="2"/>
+              <a:buChar char=""/>
+            </a:pPr>
+            <a:r>
+              <a:rPr b="0" lang="en-US" sz="2800" spc="-1" strike="noStrike">
+                <a:latin typeface="Arial"/>
+              </a:rPr>
+              <a:t>第二个大纲级</a:t>
+            </a:r>
+            <a:endParaRPr b="0" lang="en-US" sz="2800" spc="-1" strike="noStrike">
+              <a:latin typeface="Arial"/>
+            </a:endParaRPr>
+          </a:p>
+          <a:p>
+            <a:pPr lvl="2" marL="1296000" indent="-288000">
               <a:spcBef>
-                <a:spcPts val="1001"/>
+                <a:spcPts val="850"/>
               </a:spcBef>
-            </a:pPr>
-            <a:r>
-              <a:rPr b="0" lang="zh-CN" sz="1500" spc="-1" strike="noStrike">
-                <a:solidFill>
-                  <a:srgbClr val="000000"/>
-                </a:solidFill>
-                <a:latin typeface="Arial"/>
-                <a:ea typeface="微软雅黑"/>
-              </a:rPr>
-              <a:t>Date</a:t>
-            </a:r>
-            <a:endParaRPr b="0" lang="zh-CN" sz="1500" spc="-1" strike="noStrike">
-              <a:solidFill>
+              <a:buClr>
                 <a:srgbClr val="000000"/>
-              </a:solidFill>
+              </a:buClr>
+              <a:buSzPct val="45000"/>
+              <a:buFont typeface="Wingdings" charset="2"/>
+              <a:buChar char=""/>
+            </a:pPr>
+            <a:r>
+              <a:rPr b="0" lang="en-US" sz="2400" spc="-1" strike="noStrike">
+                <a:latin typeface="Arial"/>
+              </a:rPr>
+              <a:t>第三大纲级别</a:t>
+            </a:r>
+            <a:endParaRPr b="0" lang="en-US" sz="2400" spc="-1" strike="noStrike">
+              <a:latin typeface="Arial"/>
+            </a:endParaRPr>
+          </a:p>
+          <a:p>
+            <a:pPr lvl="3" marL="1728000" indent="-216000">
+              <a:spcBef>
+                <a:spcPts val="567"/>
+              </a:spcBef>
+              <a:buClr>
+                <a:srgbClr val="000000"/>
+              </a:buClr>
+              <a:buSzPct val="75000"/>
+              <a:buFont typeface="Symbol" charset="2"/>
+              <a:buChar char=""/>
+            </a:pPr>
+            <a:r>
+              <a:rPr b="0" lang="en-US" sz="2000" spc="-1" strike="noStrike">
+                <a:latin typeface="Arial"/>
+              </a:rPr>
+              <a:t>第四大纲级别</a:t>
+            </a:r>
+            <a:endParaRPr b="0" lang="en-US" sz="2000" spc="-1" strike="noStrike">
+              <a:latin typeface="Arial"/>
+            </a:endParaRPr>
+          </a:p>
+          <a:p>
+            <a:pPr lvl="4" marL="2160000" indent="-216000">
+              <a:spcBef>
+                <a:spcPts val="283"/>
+              </a:spcBef>
+              <a:buClr>
+                <a:srgbClr val="000000"/>
+              </a:buClr>
+              <a:buSzPct val="45000"/>
+              <a:buFont typeface="Wingdings" charset="2"/>
+              <a:buChar char=""/>
+            </a:pPr>
+            <a:r>
+              <a:rPr b="0" lang="en-US" sz="2000" spc="-1" strike="noStrike">
+                <a:latin typeface="Arial"/>
+              </a:rPr>
+              <a:t>第五大纲级别</a:t>
+            </a:r>
+            <a:endParaRPr b="0" lang="en-US" sz="2000" spc="-1" strike="noStrike">
+              <a:latin typeface="Arial"/>
+            </a:endParaRPr>
+          </a:p>
+          <a:p>
+            <a:pPr lvl="5" marL="2592000" indent="-216000">
+              <a:spcBef>
+                <a:spcPts val="283"/>
+              </a:spcBef>
+              <a:buClr>
+                <a:srgbClr val="000000"/>
+              </a:buClr>
+              <a:buSzPct val="45000"/>
+              <a:buFont typeface="Wingdings" charset="2"/>
+              <a:buChar char=""/>
+            </a:pPr>
+            <a:r>
+              <a:rPr b="0" lang="en-US" sz="2000" spc="-1" strike="noStrike">
+                <a:latin typeface="Arial"/>
+              </a:rPr>
+              <a:t>第六大纲级别</a:t>
+            </a:r>
+            <a:endParaRPr b="0" lang="en-US" sz="2000" spc="-1" strike="noStrike">
+              <a:latin typeface="Arial"/>
+            </a:endParaRPr>
+          </a:p>
+          <a:p>
+            <a:pPr lvl="6" marL="3024000" indent="-216000">
+              <a:spcBef>
+                <a:spcPts val="283"/>
+              </a:spcBef>
+              <a:buClr>
+                <a:srgbClr val="000000"/>
+              </a:buClr>
+              <a:buSzPct val="45000"/>
+              <a:buFont typeface="Wingdings" charset="2"/>
+              <a:buChar char=""/>
+            </a:pPr>
+            <a:r>
+              <a:rPr b="0" lang="en-US" sz="2000" spc="-1" strike="noStrike">
+                <a:latin typeface="Arial"/>
+              </a:rPr>
+              <a:t>第七大纲级别</a:t>
+            </a:r>
+            <a:endParaRPr b="0" lang="en-US" sz="2000" spc="-1" strike="noStrike">
               <a:latin typeface="Arial"/>
             </a:endParaRPr>
           </a:p>
@@ -3705,7 +3597,7 @@
       </p:grpSpPr>
       <p:sp>
         <p:nvSpPr>
-          <p:cNvPr id="41" name="Line 1"/>
+          <p:cNvPr id="40" name="Line 1"/>
           <p:cNvSpPr/>
           <p:nvPr/>
         </p:nvSpPr>
@@ -3724,6 +3616,7 @@
                 <a:lumOff val="50000"/>
               </a:schemeClr>
             </a:solidFill>
+            <a:round/>
           </a:ln>
         </p:spPr>
         <p:style>
@@ -3741,7 +3634,7 @@
       </p:sp>
       <p:sp>
         <p:nvSpPr>
-          <p:cNvPr id="42" name="PlaceHolder 2"/>
+          <p:cNvPr id="41" name="PlaceHolder 2"/>
           <p:cNvSpPr>
             <a:spLocks noGrp="1"/>
           </p:cNvSpPr>
@@ -3752,171 +3645,30 @@
         <p:spPr>
           <a:xfrm>
             <a:off x="669960" y="0"/>
-            <a:ext cx="10850040" cy="1028160"/>
-          </a:xfrm>
-          <a:prstGeom prst="rect">
-            <a:avLst/>
-          </a:prstGeom>
-        </p:spPr>
-        <p:txBody>
-          <a:bodyPr anchor="b"/>
-          <a:p>
-            <a:pPr>
-              <a:lnSpc>
-                <a:spcPct val="90000"/>
-              </a:lnSpc>
-            </a:pPr>
-            <a:r>
-              <a:rPr b="1" lang="zh-CN" sz="2800" spc="-1" strike="noStrike">
-                <a:solidFill>
-                  <a:srgbClr val="000000"/>
-                </a:solidFill>
-                <a:latin typeface="Arial"/>
-                <a:ea typeface="微软雅黑"/>
-              </a:rPr>
-              <a:t>Click to edit Master title style</a:t>
-            </a:r>
-            <a:endParaRPr b="0" lang="zh-CN" sz="2800" spc="-1" strike="noStrike">
-              <a:solidFill>
-                <a:srgbClr val="000000"/>
-              </a:solidFill>
-              <a:latin typeface="Arial"/>
-            </a:endParaRPr>
-          </a:p>
-        </p:txBody>
-      </p:sp>
-      <p:sp>
-        <p:nvSpPr>
-          <p:cNvPr id="43" name="PlaceHolder 3"/>
-          <p:cNvSpPr>
-            <a:spLocks noGrp="1"/>
-          </p:cNvSpPr>
-          <p:nvPr>
-            <p:ph type="dt"/>
-          </p:nvPr>
-        </p:nvSpPr>
-        <p:spPr>
-          <a:xfrm>
-            <a:off x="5401800" y="6240600"/>
-            <a:ext cx="1388160" cy="205920"/>
-          </a:xfrm>
-          <a:prstGeom prst="rect">
-            <a:avLst/>
-          </a:prstGeom>
-        </p:spPr>
-        <p:txBody>
-          <a:bodyPr anchor="ctr"/>
-          <a:p>
-            <a:pPr algn="ctr">
-              <a:lnSpc>
-                <a:spcPct val="100000"/>
-              </a:lnSpc>
-            </a:pPr>
-            <a:fld id="{3EC20690-DB0F-4199-A812-50711B8FBB42}" type="datetime1">
-              <a:rPr b="0" lang="en-US" sz="1000" spc="-1" strike="noStrike">
-                <a:solidFill>
-                  <a:srgbClr val="808080"/>
-                </a:solidFill>
-                <a:latin typeface="Arial"/>
-                <a:ea typeface="微软雅黑"/>
-              </a:rPr>
-              <a:t>06/05/2018</a:t>
-            </a:fld>
-            <a:endParaRPr b="0" lang="en-US" sz="1000" spc="-1" strike="noStrike">
-              <a:latin typeface="Times New Roman"/>
-            </a:endParaRPr>
-          </a:p>
-        </p:txBody>
-      </p:sp>
-      <p:sp>
-        <p:nvSpPr>
-          <p:cNvPr id="44" name="PlaceHolder 4"/>
-          <p:cNvSpPr>
-            <a:spLocks noGrp="1"/>
-          </p:cNvSpPr>
-          <p:nvPr>
-            <p:ph type="ftr"/>
-          </p:nvPr>
-        </p:nvSpPr>
-        <p:spPr>
-          <a:xfrm>
-            <a:off x="669960" y="6240600"/>
-            <a:ext cx="4140000" cy="205920"/>
-          </a:xfrm>
-          <a:prstGeom prst="rect">
-            <a:avLst/>
-          </a:prstGeom>
-        </p:spPr>
-        <p:txBody>
-          <a:bodyPr anchor="ctr"/>
-          <a:p>
-            <a:pPr>
-              <a:lnSpc>
-                <a:spcPct val="100000"/>
-              </a:lnSpc>
-            </a:pPr>
-            <a:r>
-              <a:rPr b="0" lang="en-US" sz="1000" spc="-1" strike="noStrike">
-                <a:solidFill>
-                  <a:srgbClr val="808080"/>
-                </a:solidFill>
-                <a:latin typeface="Arial"/>
-                <a:ea typeface="微软雅黑"/>
-              </a:rPr>
-              <a:t>www.islide.cc</a:t>
-            </a:r>
-            <a:endParaRPr b="0" lang="en-US" sz="1000" spc="-1" strike="noStrike">
-              <a:latin typeface="Times New Roman"/>
-            </a:endParaRPr>
-          </a:p>
-        </p:txBody>
-      </p:sp>
-      <p:sp>
-        <p:nvSpPr>
-          <p:cNvPr id="45" name="PlaceHolder 5"/>
-          <p:cNvSpPr>
-            <a:spLocks noGrp="1"/>
-          </p:cNvSpPr>
-          <p:nvPr>
-            <p:ph type="sldNum"/>
-          </p:nvPr>
-        </p:nvSpPr>
-        <p:spPr>
-          <a:xfrm>
-            <a:off x="8610480" y="6240600"/>
-            <a:ext cx="2909520" cy="205920"/>
-          </a:xfrm>
-          <a:prstGeom prst="rect">
-            <a:avLst/>
-          </a:prstGeom>
-        </p:spPr>
-        <p:txBody>
-          <a:bodyPr anchor="ctr"/>
-          <a:p>
-            <a:pPr algn="r">
-              <a:lnSpc>
-                <a:spcPct val="100000"/>
-              </a:lnSpc>
-            </a:pPr>
-            <a:fld id="{5FBBEB27-3F52-4237-A2B4-33907873C8AB}" type="slidenum">
-              <a:rPr b="0" lang="en-US" sz="1000" spc="-1" strike="noStrike">
-                <a:solidFill>
-                  <a:srgbClr val="808080"/>
-                </a:solidFill>
-                <a:latin typeface="Arial"/>
-                <a:ea typeface="微软雅黑"/>
-              </a:rPr>
-              <a:t>1</a:t>
-            </a:fld>
-            <a:endParaRPr b="0" lang="en-US" sz="1000" spc="-1" strike="noStrike">
-              <a:latin typeface="Times New Roman"/>
-            </a:endParaRPr>
-          </a:p>
-        </p:txBody>
-      </p:sp>
-      <p:sp>
-        <p:nvSpPr>
-          <p:cNvPr id="46" name="PlaceHolder 6"/>
+            <a:ext cx="10849680" cy="1027800"/>
+          </a:xfrm>
+          <a:prstGeom prst="rect">
+            <a:avLst/>
+          </a:prstGeom>
+        </p:spPr>
+        <p:txBody>
+          <a:bodyPr lIns="0" rIns="0" tIns="0" bIns="0" anchor="ctr"/>
+          <a:p>
+            <a:r>
+              <a:rPr b="0" lang="en-US" sz="1800" spc="-1" strike="noStrike">
+                <a:latin typeface="Arial"/>
+              </a:rPr>
+              <a:t>单击鼠标编辑标题文字格式</a:t>
+            </a:r>
+            <a:endParaRPr b="0" lang="en-US" sz="1800" spc="-1" strike="noStrike">
+              <a:latin typeface="Arial"/>
+            </a:endParaRPr>
+          </a:p>
+        </p:txBody>
+      </p:sp>
+      <p:sp>
+        <p:nvSpPr>
+          <p:cNvPr id="42" name="PlaceHolder 3"/>
           <p:cNvSpPr>
             <a:spLocks noGrp="1"/>
           </p:cNvSpPr>
@@ -3950,18 +3702,12 @@
               <a:buChar char=""/>
             </a:pPr>
             <a:r>
-              <a:rPr b="0" lang="zh-CN" sz="2000" spc="-1" strike="noStrike">
-                <a:solidFill>
-                  <a:srgbClr val="000000"/>
-                </a:solidFill>
+              <a:rPr b="0" lang="en-US" sz="3200" spc="-1" strike="noStrike">
                 <a:latin typeface="Arial"/>
               </a:rPr>
               <a:t>单击鼠标编辑大纲文字格式</a:t>
             </a:r>
-            <a:endParaRPr b="0" lang="zh-CN" sz="2000" spc="-1" strike="noStrike">
-              <a:solidFill>
-                <a:srgbClr val="000000"/>
-              </a:solidFill>
+            <a:endParaRPr b="0" lang="en-US" sz="3200" spc="-1" strike="noStrike">
               <a:latin typeface="Arial"/>
             </a:endParaRPr>
           </a:p>
@@ -3978,18 +3724,12 @@
               <a:buChar char=""/>
             </a:pPr>
             <a:r>
-              <a:rPr b="0" lang="zh-CN" sz="1600" spc="-1" strike="noStrike">
-                <a:solidFill>
-                  <a:srgbClr val="000000"/>
-                </a:solidFill>
+              <a:rPr b="0" lang="en-US" sz="2800" spc="-1" strike="noStrike">
                 <a:latin typeface="Arial"/>
               </a:rPr>
               <a:t>第二个大纲级</a:t>
             </a:r>
-            <a:endParaRPr b="0" lang="zh-CN" sz="1600" spc="-1" strike="noStrike">
-              <a:solidFill>
-                <a:srgbClr val="000000"/>
-              </a:solidFill>
+            <a:endParaRPr b="0" lang="en-US" sz="2800" spc="-1" strike="noStrike">
               <a:latin typeface="Arial"/>
             </a:endParaRPr>
           </a:p>
@@ -4006,18 +3746,12 @@
               <a:buChar char=""/>
             </a:pPr>
             <a:r>
-              <a:rPr b="0" lang="zh-CN" sz="1400" spc="-1" strike="noStrike">
-                <a:solidFill>
-                  <a:srgbClr val="000000"/>
-                </a:solidFill>
+              <a:rPr b="0" lang="en-US" sz="2400" spc="-1" strike="noStrike">
                 <a:latin typeface="Arial"/>
               </a:rPr>
               <a:t>第三大纲级别</a:t>
             </a:r>
-            <a:endParaRPr b="0" lang="zh-CN" sz="1400" spc="-1" strike="noStrike">
-              <a:solidFill>
-                <a:srgbClr val="000000"/>
-              </a:solidFill>
+            <a:endParaRPr b="0" lang="en-US" sz="2400" spc="-1" strike="noStrike">
               <a:latin typeface="Arial"/>
             </a:endParaRPr>
           </a:p>
@@ -4034,18 +3768,12 @@
               <a:buChar char=""/>
             </a:pPr>
             <a:r>
-              <a:rPr b="0" lang="zh-CN" sz="1400" spc="-1" strike="noStrike">
-                <a:solidFill>
-                  <a:srgbClr val="000000"/>
-                </a:solidFill>
+              <a:rPr b="0" lang="en-US" sz="2000" spc="-1" strike="noStrike">
                 <a:latin typeface="Arial"/>
               </a:rPr>
               <a:t>第四大纲级别</a:t>
             </a:r>
-            <a:endParaRPr b="0" lang="zh-CN" sz="1400" spc="-1" strike="noStrike">
-              <a:solidFill>
-                <a:srgbClr val="000000"/>
-              </a:solidFill>
+            <a:endParaRPr b="0" lang="en-US" sz="2000" spc="-1" strike="noStrike">
               <a:latin typeface="Arial"/>
             </a:endParaRPr>
           </a:p>
@@ -4062,18 +3790,12 @@
               <a:buChar char=""/>
             </a:pPr>
             <a:r>
-              <a:rPr b="0" lang="zh-CN" sz="2000" spc="-1" strike="noStrike">
-                <a:solidFill>
-                  <a:srgbClr val="000000"/>
-                </a:solidFill>
+              <a:rPr b="0" lang="en-US" sz="2000" spc="-1" strike="noStrike">
                 <a:latin typeface="Arial"/>
               </a:rPr>
               <a:t>第五大纲级别</a:t>
             </a:r>
-            <a:endParaRPr b="0" lang="zh-CN" sz="2000" spc="-1" strike="noStrike">
-              <a:solidFill>
-                <a:srgbClr val="000000"/>
-              </a:solidFill>
+            <a:endParaRPr b="0" lang="en-US" sz="2000" spc="-1" strike="noStrike">
               <a:latin typeface="Arial"/>
             </a:endParaRPr>
           </a:p>
@@ -4090,18 +3812,12 @@
               <a:buChar char=""/>
             </a:pPr>
             <a:r>
-              <a:rPr b="0" lang="zh-CN" sz="2000" spc="-1" strike="noStrike">
-                <a:solidFill>
-                  <a:srgbClr val="000000"/>
-                </a:solidFill>
+              <a:rPr b="0" lang="en-US" sz="2000" spc="-1" strike="noStrike">
                 <a:latin typeface="Arial"/>
               </a:rPr>
               <a:t>第六大纲级别</a:t>
             </a:r>
-            <a:endParaRPr b="0" lang="zh-CN" sz="2000" spc="-1" strike="noStrike">
-              <a:solidFill>
-                <a:srgbClr val="000000"/>
-              </a:solidFill>
+            <a:endParaRPr b="0" lang="en-US" sz="2000" spc="-1" strike="noStrike">
               <a:latin typeface="Arial"/>
             </a:endParaRPr>
           </a:p>
@@ -4118,18 +3834,12 @@
               <a:buChar char=""/>
             </a:pPr>
             <a:r>
-              <a:rPr b="0" lang="zh-CN" sz="2000" spc="-1" strike="noStrike">
-                <a:solidFill>
-                  <a:srgbClr val="000000"/>
-                </a:solidFill>
+              <a:rPr b="0" lang="en-US" sz="2000" spc="-1" strike="noStrike">
                 <a:latin typeface="Arial"/>
               </a:rPr>
               <a:t>第七大纲级别</a:t>
             </a:r>
-            <a:endParaRPr b="0" lang="zh-CN" sz="2000" spc="-1" strike="noStrike">
-              <a:solidFill>
-                <a:srgbClr val="000000"/>
-              </a:solidFill>
+            <a:endParaRPr b="0" lang="en-US" sz="2000" spc="-1" strike="noStrike">
               <a:latin typeface="Arial"/>
             </a:endParaRPr>
           </a:p>
@@ -4174,14 +3884,14 @@
       </p:grpSpPr>
       <p:sp>
         <p:nvSpPr>
-          <p:cNvPr id="89" name="TextShape 1"/>
-          <p:cNvSpPr txBox="1"/>
+          <p:cNvPr id="85" name="CustomShape 1"/>
+          <p:cNvSpPr/>
           <p:nvPr/>
         </p:nvSpPr>
         <p:spPr>
           <a:xfrm>
             <a:off x="669960" y="3660480"/>
-            <a:ext cx="5787000" cy="558360"/>
+            <a:ext cx="5786640" cy="558000"/>
           </a:xfrm>
           <a:prstGeom prst="rect">
             <a:avLst/>
@@ -4191,8 +3901,14 @@
             <a:noFill/>
           </a:ln>
         </p:spPr>
-        <p:txBody>
-          <a:bodyPr anchor="ctr">
+        <p:style>
+          <a:lnRef idx="0"/>
+          <a:fillRef idx="0"/>
+          <a:effectRef idx="0"/>
+          <a:fontRef idx="minor"/>
+        </p:style>
+        <p:txBody>
+          <a:bodyPr lIns="90000" rIns="90000" tIns="45000" bIns="45000" anchor="ctr">
             <a:normAutofit/>
           </a:bodyPr>
           <a:p>
@@ -4242,14 +3958,14 @@
       </p:sp>
       <p:sp>
         <p:nvSpPr>
-          <p:cNvPr id="90" name="TextShape 2"/>
-          <p:cNvSpPr txBox="1"/>
+          <p:cNvPr id="86" name="CustomShape 2"/>
+          <p:cNvSpPr/>
           <p:nvPr/>
         </p:nvSpPr>
         <p:spPr>
           <a:xfrm>
             <a:off x="669960" y="1681920"/>
-            <a:ext cx="5787000" cy="1092240"/>
+            <a:ext cx="5786640" cy="1091880"/>
           </a:xfrm>
           <a:prstGeom prst="rect">
             <a:avLst/>
@@ -4259,8 +3975,14 @@
             <a:noFill/>
           </a:ln>
         </p:spPr>
-        <p:txBody>
-          <a:bodyPr anchor="ctr">
+        <p:style>
+          <a:lnRef idx="0"/>
+          <a:fillRef idx="0"/>
+          <a:effectRef idx="0"/>
+          <a:fontRef idx="minor"/>
+        </p:style>
+        <p:txBody>
+          <a:bodyPr lIns="90000" rIns="90000" tIns="45000" bIns="45000" anchor="ctr">
             <a:normAutofit/>
           </a:bodyPr>
           <a:p>
@@ -4270,7 +3992,7 @@
               </a:lnSpc>
             </a:pPr>
             <a:r>
-              <a:rPr b="1" lang="zh-CN" sz="2800" spc="-1" strike="noStrike">
+              <a:rPr b="1" lang="en-US" sz="2800" spc="-1" strike="noStrike">
                 <a:solidFill>
                   <a:srgbClr val="000000"/>
                 </a:solidFill>
@@ -4281,7 +4003,7 @@
             </a:r>
             <a:br/>
             <a:r>
-              <a:rPr b="1" lang="zh-CN" sz="8000" spc="-1" strike="noStrike">
+              <a:rPr b="1" lang="en-US" sz="8000" spc="-1" strike="noStrike">
                 <a:solidFill>
                   <a:srgbClr val="268bc5"/>
                 </a:solidFill>
@@ -4292,7 +4014,7 @@
             </a:r>
             <a:br/>
             <a:r>
-              <a:rPr b="1" lang="zh-CN" sz="3100" spc="-1" strike="noStrike">
+              <a:rPr b="1" lang="en-US" sz="3100" spc="-1" strike="noStrike">
                 <a:solidFill>
                   <a:srgbClr val="268bc5"/>
                 </a:solidFill>
@@ -4301,10 +4023,7 @@
               </a:rPr>
               <a:t>Introduction to Data Science</a:t>
             </a:r>
-            <a:endParaRPr b="0" lang="zh-CN" sz="3100" spc="-1" strike="noStrike">
-              <a:solidFill>
-                <a:srgbClr val="000000"/>
-              </a:solidFill>
+            <a:endParaRPr b="0" lang="en-US" sz="3100" spc="-1" strike="noStrike">
               <a:latin typeface="Arial"/>
             </a:endParaRPr>
           </a:p>
@@ -4312,7 +4031,7 @@
       </p:sp>
       <p:pic>
         <p:nvPicPr>
-          <p:cNvPr id="91" name="Picture 4" descr=""/>
+          <p:cNvPr id="87" name="Picture 4" descr=""/>
           <p:cNvPicPr/>
           <p:nvPr/>
         </p:nvPicPr>
@@ -4323,7 +4042,7 @@
         <p:spPr>
           <a:xfrm>
             <a:off x="7763400" y="5904360"/>
-            <a:ext cx="4428360" cy="953280"/>
+            <a:ext cx="4428000" cy="952920"/>
           </a:xfrm>
           <a:prstGeom prst="rect">
             <a:avLst/>
@@ -4384,103 +4103,14 @@
       </p:grpSpPr>
       <p:sp>
         <p:nvSpPr>
-          <p:cNvPr id="92" name="TextShape 1"/>
-          <p:cNvSpPr txBox="1"/>
-          <p:nvPr/>
-        </p:nvSpPr>
-        <p:spPr>
-          <a:xfrm>
-            <a:off x="669960" y="0"/>
-            <a:ext cx="10850040" cy="1028160"/>
-          </a:xfrm>
-          <a:prstGeom prst="rect">
-            <a:avLst/>
-          </a:prstGeom>
-          <a:noFill/>
-          <a:ln>
-            <a:noFill/>
-          </a:ln>
-        </p:spPr>
-        <p:txBody>
-          <a:bodyPr anchor="b"/>
-          <a:p>
-            <a:pPr>
-              <a:lnSpc>
-                <a:spcPct val="90000"/>
-              </a:lnSpc>
-            </a:pPr>
-            <a:r>
-              <a:rPr b="1" lang="zh-CN" sz="2800" spc="-1" strike="noStrike">
-                <a:solidFill>
-                  <a:srgbClr val="000000"/>
-                </a:solidFill>
-                <a:latin typeface="Arial"/>
-                <a:ea typeface="微软雅黑"/>
-              </a:rPr>
-              <a:t>作業說明</a:t>
-            </a:r>
-            <a:endParaRPr b="0" lang="zh-CN" sz="2800" spc="-1" strike="noStrike">
-              <a:solidFill>
-                <a:srgbClr val="000000"/>
-              </a:solidFill>
-              <a:latin typeface="Arial"/>
-            </a:endParaRPr>
-          </a:p>
-        </p:txBody>
-      </p:sp>
-      <p:sp>
-        <p:nvSpPr>
-          <p:cNvPr id="93" name="TextShape 2"/>
-          <p:cNvSpPr txBox="1"/>
-          <p:nvPr/>
-        </p:nvSpPr>
-        <p:spPr>
-          <a:xfrm>
-            <a:off x="8610480" y="6240600"/>
-            <a:ext cx="2909520" cy="205920"/>
-          </a:xfrm>
-          <a:prstGeom prst="rect">
-            <a:avLst/>
-          </a:prstGeom>
-          <a:noFill/>
-          <a:ln>
-            <a:noFill/>
-          </a:ln>
-        </p:spPr>
-        <p:txBody>
-          <a:bodyPr anchor="ctr"/>
-          <a:p>
-            <a:pPr algn="r">
-              <a:lnSpc>
-                <a:spcPct val="100000"/>
-              </a:lnSpc>
-            </a:pPr>
-            <a:fld id="{CC57DB0D-3A4B-49AD-A7AB-7B4A8EFC9686}" type="slidenum">
-              <a:rPr b="0" lang="en-US" sz="1000" spc="-1" strike="noStrike">
-                <a:solidFill>
-                  <a:srgbClr val="808080"/>
-                </a:solidFill>
-                <a:latin typeface="Arial"/>
-                <a:ea typeface="微软雅黑"/>
-              </a:rPr>
-              <a:t>1</a:t>
-            </a:fld>
-            <a:endParaRPr b="0" lang="en-US" sz="1000" spc="-1" strike="noStrike">
-              <a:latin typeface="Times New Roman"/>
-            </a:endParaRPr>
-          </a:p>
-        </p:txBody>
-      </p:sp>
-      <p:sp>
-        <p:nvSpPr>
-          <p:cNvPr id="94" name="CustomShape 3"/>
+          <p:cNvPr id="88" name="CustomShape 1"/>
           <p:cNvSpPr/>
           <p:nvPr/>
         </p:nvSpPr>
         <p:spPr>
           <a:xfrm>
-            <a:off x="831960" y="1499760"/>
-            <a:ext cx="9564120" cy="1461960"/>
+            <a:off x="669960" y="0"/>
+            <a:ext cx="10849680" cy="1027800"/>
           </a:xfrm>
           <a:prstGeom prst="rect">
             <a:avLst/>
@@ -4497,6 +4127,104 @@
           <a:fontRef idx="minor"/>
         </p:style>
         <p:txBody>
+          <a:bodyPr lIns="90000" rIns="90000" tIns="45000" bIns="45000" anchor="b"/>
+          <a:p>
+            <a:pPr>
+              <a:lnSpc>
+                <a:spcPct val="90000"/>
+              </a:lnSpc>
+            </a:pPr>
+            <a:r>
+              <a:rPr b="1" lang="en-US" sz="2800" spc="-1" strike="noStrike">
+                <a:solidFill>
+                  <a:srgbClr val="000000"/>
+                </a:solidFill>
+                <a:latin typeface="Arial"/>
+                <a:ea typeface="微软雅黑"/>
+              </a:rPr>
+              <a:t>作業說明</a:t>
+            </a:r>
+            <a:endParaRPr b="0" lang="en-US" sz="2800" spc="-1" strike="noStrike">
+              <a:latin typeface="Arial"/>
+            </a:endParaRPr>
+          </a:p>
+        </p:txBody>
+      </p:sp>
+      <p:sp>
+        <p:nvSpPr>
+          <p:cNvPr id="89" name="CustomShape 2"/>
+          <p:cNvSpPr/>
+          <p:nvPr/>
+        </p:nvSpPr>
+        <p:spPr>
+          <a:xfrm>
+            <a:off x="8610480" y="6240600"/>
+            <a:ext cx="2909160" cy="205560"/>
+          </a:xfrm>
+          <a:prstGeom prst="rect">
+            <a:avLst/>
+          </a:prstGeom>
+          <a:noFill/>
+          <a:ln>
+            <a:noFill/>
+          </a:ln>
+        </p:spPr>
+        <p:style>
+          <a:lnRef idx="0"/>
+          <a:fillRef idx="0"/>
+          <a:effectRef idx="0"/>
+          <a:fontRef idx="minor"/>
+        </p:style>
+        <p:txBody>
+          <a:bodyPr lIns="90000" rIns="90000" tIns="45000" bIns="45000" anchor="ctr"/>
+          <a:p>
+            <a:pPr algn="r">
+              <a:lnSpc>
+                <a:spcPct val="100000"/>
+              </a:lnSpc>
+            </a:pPr>
+            <a:fld id="{B7D5387D-B46F-4B72-A27B-AE0EF3BF484F}" type="slidenum">
+              <a:rPr b="0" lang="en-US" sz="1000" spc="-1" strike="noStrike">
+                <a:solidFill>
+                  <a:srgbClr val="808080"/>
+                </a:solidFill>
+                <a:latin typeface="Arial"/>
+                <a:ea typeface="微软雅黑"/>
+              </a:rPr>
+              <a:t>&lt;编号&gt;</a:t>
+            </a:fld>
+            <a:endParaRPr b="0" lang="en-US" sz="1000" spc="-1" strike="noStrike">
+              <a:latin typeface="Arial"/>
+            </a:endParaRPr>
+          </a:p>
+        </p:txBody>
+      </p:sp>
+      <p:sp>
+        <p:nvSpPr>
+          <p:cNvPr id="90" name="CustomShape 3"/>
+          <p:cNvSpPr/>
+          <p:nvPr/>
+        </p:nvSpPr>
+        <p:spPr>
+          <a:xfrm>
+            <a:off x="831960" y="1499760"/>
+            <a:ext cx="9563760" cy="1461600"/>
+          </a:xfrm>
+          <a:prstGeom prst="rect">
+            <a:avLst/>
+          </a:prstGeom>
+          <a:noFill/>
+          <a:ln>
+            <a:noFill/>
+          </a:ln>
+        </p:spPr>
+        <p:style>
+          <a:lnRef idx="0"/>
+          <a:fillRef idx="0"/>
+          <a:effectRef idx="0"/>
+          <a:fontRef idx="minor"/>
+        </p:style>
+        <p:txBody>
           <a:bodyPr lIns="90000" rIns="90000" tIns="45000" bIns="45000"/>
           <a:p>
             <a:pPr>
@@ -4562,7 +4290,7 @@
       </p:sp>
       <p:pic>
         <p:nvPicPr>
-          <p:cNvPr id="95" name="圖片 5" descr=""/>
+          <p:cNvPr id="91" name="圖片 5" descr=""/>
           <p:cNvPicPr/>
           <p:nvPr/>
         </p:nvPicPr>
@@ -4573,7 +4301,7 @@
         <p:spPr>
           <a:xfrm>
             <a:off x="825120" y="2000520"/>
-            <a:ext cx="10534320" cy="1952280"/>
+            <a:ext cx="10533960" cy="1951920"/>
           </a:xfrm>
           <a:prstGeom prst="rect">
             <a:avLst/>
@@ -4585,14 +4313,14 @@
       </p:pic>
       <p:sp>
         <p:nvSpPr>
-          <p:cNvPr id="96" name="CustomShape 4"/>
+          <p:cNvPr id="92" name="CustomShape 4"/>
           <p:cNvSpPr/>
           <p:nvPr/>
         </p:nvSpPr>
         <p:spPr>
           <a:xfrm>
             <a:off x="923400" y="4276080"/>
-            <a:ext cx="8794080" cy="2284920"/>
+            <a:ext cx="8793720" cy="2284560"/>
           </a:xfrm>
           <a:prstGeom prst="rect">
             <a:avLst/>
@@ -4903,103 +4631,14 @@
       </p:grpSpPr>
       <p:sp>
         <p:nvSpPr>
-          <p:cNvPr id="97" name="TextShape 1"/>
-          <p:cNvSpPr txBox="1"/>
-          <p:nvPr/>
-        </p:nvSpPr>
-        <p:spPr>
-          <a:xfrm>
-            <a:off x="669960" y="0"/>
-            <a:ext cx="10850040" cy="1028160"/>
-          </a:xfrm>
-          <a:prstGeom prst="rect">
-            <a:avLst/>
-          </a:prstGeom>
-          <a:noFill/>
-          <a:ln>
-            <a:noFill/>
-          </a:ln>
-        </p:spPr>
-        <p:txBody>
-          <a:bodyPr anchor="b"/>
-          <a:p>
-            <a:pPr>
-              <a:lnSpc>
-                <a:spcPct val="90000"/>
-              </a:lnSpc>
-            </a:pPr>
-            <a:r>
-              <a:rPr b="1" lang="zh-CN" sz="2800" spc="-1" strike="noStrike">
-                <a:solidFill>
-                  <a:srgbClr val="000000"/>
-                </a:solidFill>
-                <a:latin typeface="Arial"/>
-                <a:ea typeface="微软雅黑"/>
-              </a:rPr>
-              <a:t>作業說明</a:t>
-            </a:r>
-            <a:endParaRPr b="0" lang="zh-CN" sz="2800" spc="-1" strike="noStrike">
-              <a:solidFill>
-                <a:srgbClr val="000000"/>
-              </a:solidFill>
-              <a:latin typeface="Arial"/>
-            </a:endParaRPr>
-          </a:p>
-        </p:txBody>
-      </p:sp>
-      <p:sp>
-        <p:nvSpPr>
-          <p:cNvPr id="98" name="TextShape 2"/>
-          <p:cNvSpPr txBox="1"/>
-          <p:nvPr/>
-        </p:nvSpPr>
-        <p:spPr>
-          <a:xfrm>
-            <a:off x="8610480" y="6240600"/>
-            <a:ext cx="2909520" cy="205920"/>
-          </a:xfrm>
-          <a:prstGeom prst="rect">
-            <a:avLst/>
-          </a:prstGeom>
-          <a:noFill/>
-          <a:ln>
-            <a:noFill/>
-          </a:ln>
-        </p:spPr>
-        <p:txBody>
-          <a:bodyPr anchor="ctr"/>
-          <a:p>
-            <a:pPr algn="r">
-              <a:lnSpc>
-                <a:spcPct val="100000"/>
-              </a:lnSpc>
-            </a:pPr>
-            <a:fld id="{36688E61-9FF2-4786-8507-390B6439B901}" type="slidenum">
-              <a:rPr b="0" lang="en-US" sz="1000" spc="-1" strike="noStrike">
-                <a:solidFill>
-                  <a:srgbClr val="808080"/>
-                </a:solidFill>
-                <a:latin typeface="Arial"/>
-                <a:ea typeface="微软雅黑"/>
-              </a:rPr>
-              <a:t>1</a:t>
-            </a:fld>
-            <a:endParaRPr b="0" lang="en-US" sz="1000" spc="-1" strike="noStrike">
-              <a:latin typeface="Times New Roman"/>
-            </a:endParaRPr>
-          </a:p>
-        </p:txBody>
-      </p:sp>
-      <p:sp>
-        <p:nvSpPr>
-          <p:cNvPr id="99" name="CustomShape 3"/>
+          <p:cNvPr id="93" name="CustomShape 1"/>
           <p:cNvSpPr/>
           <p:nvPr/>
         </p:nvSpPr>
         <p:spPr>
           <a:xfrm>
-            <a:off x="6624000" y="1224000"/>
-            <a:ext cx="7940160" cy="4479480"/>
+            <a:off x="669960" y="0"/>
+            <a:ext cx="10849680" cy="1027800"/>
           </a:xfrm>
           <a:prstGeom prst="rect">
             <a:avLst/>
@@ -5016,629 +4655,44 @@
           <a:fontRef idx="minor"/>
         </p:style>
         <p:txBody>
-          <a:bodyPr lIns="90000" rIns="90000" tIns="45000" bIns="45000"/>
+          <a:bodyPr lIns="90000" rIns="90000" tIns="45000" bIns="45000" anchor="b"/>
           <a:p>
             <a:pPr>
               <a:lnSpc>
-                <a:spcPct val="100000"/>
+                <a:spcPct val="90000"/>
               </a:lnSpc>
             </a:pPr>
             <a:r>
-              <a:rPr b="0" lang="en-US" sz="1800" spc="-1" strike="noStrike">
-                <a:solidFill>
-                  <a:srgbClr val="000000"/>
-                </a:solidFill>
-                <a:latin typeface="Arial"/>
-                <a:ea typeface="微软雅黑"/>
-              </a:rPr>
-              <a:t>以下是作業前處理的步驟</a:t>
-            </a:r>
-            <a:r>
-              <a:rPr b="0" lang="en-US" sz="1800" spc="-1" strike="noStrike">
-                <a:solidFill>
-                  <a:srgbClr val="000000"/>
-                </a:solidFill>
-                <a:latin typeface="Arial"/>
-                <a:ea typeface="微软雅黑"/>
-              </a:rPr>
-              <a:t>:</a:t>
-            </a:r>
-            <a:endParaRPr b="0" lang="en-US" sz="1800" spc="-1" strike="noStrike">
-              <a:latin typeface="Arial"/>
-            </a:endParaRPr>
-          </a:p>
-          <a:p>
-            <a:pPr>
-              <a:lnSpc>
-                <a:spcPct val="100000"/>
-              </a:lnSpc>
-            </a:pPr>
-            <a:endParaRPr b="0" lang="en-US" sz="1800" spc="-1" strike="noStrike">
-              <a:latin typeface="Arial"/>
-            </a:endParaRPr>
-          </a:p>
-          <a:p>
-            <a:pPr>
-              <a:lnSpc>
-                <a:spcPct val="100000"/>
-              </a:lnSpc>
-            </a:pPr>
-            <a:r>
-              <a:rPr b="0" lang="en-US" sz="1800" spc="-1" strike="noStrike">
-                <a:solidFill>
-                  <a:srgbClr val="000000"/>
-                </a:solidFill>
-                <a:latin typeface="Arial"/>
-                <a:ea typeface="微软雅黑"/>
-              </a:rPr>
-              <a:t>步驟</a:t>
-            </a:r>
-            <a:r>
-              <a:rPr b="0" lang="en-US" sz="1800" spc="-1" strike="noStrike">
-                <a:solidFill>
-                  <a:srgbClr val="000000"/>
-                </a:solidFill>
-                <a:latin typeface="Arial"/>
-                <a:ea typeface="微软雅黑"/>
-              </a:rPr>
-              <a:t>1:</a:t>
-            </a:r>
-            <a:r>
-              <a:rPr b="0" lang="en-US" sz="1800" spc="-1" strike="noStrike">
-                <a:solidFill>
-                  <a:srgbClr val="000000"/>
-                </a:solidFill>
-                <a:latin typeface="Arial"/>
-                <a:ea typeface="微软雅黑"/>
-              </a:rPr>
-              <a:t>清洗資料</a:t>
-            </a:r>
-            <a:endParaRPr b="0" lang="en-US" sz="1800" spc="-1" strike="noStrike">
-              <a:latin typeface="Arial"/>
-            </a:endParaRPr>
-          </a:p>
-          <a:p>
-            <a:pPr>
-              <a:lnSpc>
-                <a:spcPct val="100000"/>
-              </a:lnSpc>
-            </a:pPr>
-            <a:r>
-              <a:rPr b="0" lang="en-US" sz="1800" spc="-1" strike="noStrike">
-                <a:solidFill>
-                  <a:srgbClr val="000000"/>
-                </a:solidFill>
-                <a:latin typeface="Arial"/>
-                <a:ea typeface="微软雅黑"/>
-              </a:rPr>
-              <a:t>將空的</a:t>
-            </a:r>
-            <a:r>
-              <a:rPr b="0" lang="en-US" sz="1800" spc="-1" strike="noStrike">
-                <a:solidFill>
-                  <a:srgbClr val="000000"/>
-                </a:solidFill>
-                <a:latin typeface="Arial"/>
-                <a:ea typeface="微软雅黑"/>
-              </a:rPr>
-              <a:t>InvoiceNo</a:t>
-            </a:r>
-            <a:r>
-              <a:rPr b="0" lang="en-US" sz="1800" spc="-1" strike="noStrike">
-                <a:solidFill>
-                  <a:srgbClr val="000000"/>
-                </a:solidFill>
-                <a:latin typeface="Arial"/>
-                <a:ea typeface="微软雅黑"/>
-              </a:rPr>
-              <a:t>拿掉</a:t>
-            </a:r>
-            <a:endParaRPr b="0" lang="en-US" sz="1800" spc="-1" strike="noStrike">
-              <a:latin typeface="Arial"/>
-            </a:endParaRPr>
-          </a:p>
-          <a:p>
-            <a:pPr>
-              <a:lnSpc>
-                <a:spcPct val="100000"/>
-              </a:lnSpc>
-            </a:pPr>
-            <a:r>
-              <a:rPr b="0" lang="en-US" sz="1800" spc="-1" strike="noStrike">
-                <a:solidFill>
-                  <a:srgbClr val="000000"/>
-                </a:solidFill>
-                <a:latin typeface="Arial"/>
-                <a:ea typeface="微软雅黑"/>
-              </a:rPr>
-              <a:t>移除被取消的交易</a:t>
-            </a:r>
-            <a:r>
-              <a:rPr b="0" lang="en-US" sz="1800" spc="-1" strike="noStrike">
-                <a:solidFill>
-                  <a:srgbClr val="000000"/>
-                </a:solidFill>
-                <a:latin typeface="Arial"/>
-                <a:ea typeface="微软雅黑"/>
-              </a:rPr>
-              <a:t>(InvoiceNo</a:t>
-            </a:r>
-            <a:r>
-              <a:rPr b="0" lang="en-US" sz="1800" spc="-1" strike="noStrike">
-                <a:solidFill>
-                  <a:srgbClr val="000000"/>
-                </a:solidFill>
-                <a:latin typeface="Arial"/>
-                <a:ea typeface="微软雅黑"/>
-              </a:rPr>
-              <a:t>開頭有出現</a:t>
-            </a:r>
-            <a:r>
-              <a:rPr b="0" lang="en-US" sz="1800" spc="-1" strike="noStrike">
-                <a:solidFill>
-                  <a:srgbClr val="000000"/>
-                </a:solidFill>
-                <a:latin typeface="Arial"/>
-                <a:ea typeface="微软雅黑"/>
-              </a:rPr>
-              <a:t>C</a:t>
-            </a:r>
-            <a:r>
-              <a:rPr b="0" lang="en-US" sz="1800" spc="-1" strike="noStrike">
-                <a:solidFill>
-                  <a:srgbClr val="000000"/>
-                </a:solidFill>
-                <a:latin typeface="Arial"/>
-                <a:ea typeface="微软雅黑"/>
-              </a:rPr>
-              <a:t>即是，</a:t>
-            </a:r>
-            <a:r>
-              <a:rPr b="0" lang="en-US" sz="1800" spc="-1" strike="noStrike">
-                <a:solidFill>
-                  <a:srgbClr val="000000"/>
-                </a:solidFill>
-                <a:latin typeface="Arial"/>
-                <a:ea typeface="微软雅黑"/>
-              </a:rPr>
-              <a:t>EX:C537024)</a:t>
-            </a:r>
-            <a:endParaRPr b="0" lang="en-US" sz="1800" spc="-1" strike="noStrike">
-              <a:latin typeface="Arial"/>
-            </a:endParaRPr>
-          </a:p>
-          <a:p>
-            <a:pPr>
-              <a:lnSpc>
-                <a:spcPct val="100000"/>
-              </a:lnSpc>
-            </a:pPr>
-            <a:endParaRPr b="0" lang="en-US" sz="1800" spc="-1" strike="noStrike">
-              <a:latin typeface="Arial"/>
-            </a:endParaRPr>
-          </a:p>
-          <a:p>
-            <a:pPr>
-              <a:lnSpc>
-                <a:spcPct val="100000"/>
-              </a:lnSpc>
-            </a:pPr>
-            <a:r>
-              <a:rPr b="0" lang="en-US" sz="1800" spc="-1" strike="noStrike">
-                <a:solidFill>
-                  <a:srgbClr val="000000"/>
-                </a:solidFill>
-                <a:latin typeface="Arial"/>
-                <a:ea typeface="微软雅黑"/>
-              </a:rPr>
-              <a:t>步驟</a:t>
-            </a:r>
-            <a:r>
-              <a:rPr b="0" lang="en-US" sz="1800" spc="-1" strike="noStrike">
-                <a:solidFill>
-                  <a:srgbClr val="000000"/>
-                </a:solidFill>
-                <a:latin typeface="Arial"/>
-                <a:ea typeface="微软雅黑"/>
-              </a:rPr>
-              <a:t>2:</a:t>
-            </a:r>
-            <a:r>
-              <a:rPr b="0" lang="en-US" sz="1800" spc="-1" strike="noStrike">
-                <a:solidFill>
-                  <a:srgbClr val="000000"/>
-                </a:solidFill>
-                <a:latin typeface="Arial"/>
-                <a:ea typeface="微软雅黑"/>
-              </a:rPr>
-              <a:t>只分析英國</a:t>
-            </a:r>
-            <a:r>
-              <a:rPr b="0" lang="en-US" sz="1800" spc="-1" strike="noStrike">
-                <a:solidFill>
-                  <a:srgbClr val="000000"/>
-                </a:solidFill>
-                <a:latin typeface="Arial"/>
-                <a:ea typeface="微软雅黑"/>
-              </a:rPr>
-              <a:t>(United Kingdom)</a:t>
-            </a:r>
-            <a:r>
-              <a:rPr b="0" lang="en-US" sz="1800" spc="-1" strike="noStrike">
-                <a:solidFill>
-                  <a:srgbClr val="000000"/>
-                </a:solidFill>
-                <a:latin typeface="Arial"/>
-                <a:ea typeface="微软雅黑"/>
-              </a:rPr>
-              <a:t>的購買紀錄</a:t>
-            </a:r>
-            <a:endParaRPr b="0" lang="en-US" sz="1800" spc="-1" strike="noStrike">
-              <a:latin typeface="Arial"/>
-            </a:endParaRPr>
-          </a:p>
-          <a:p>
-            <a:pPr>
-              <a:lnSpc>
-                <a:spcPct val="100000"/>
-              </a:lnSpc>
-            </a:pPr>
-            <a:r>
-              <a:rPr b="0" lang="en-US" sz="1800" spc="-1" strike="noStrike">
-                <a:solidFill>
-                  <a:srgbClr val="000000"/>
-                </a:solidFill>
-                <a:latin typeface="Arial"/>
-                <a:ea typeface="微软雅黑"/>
-              </a:rPr>
-              <a:t>因為資料集有點大，所以將範圍放到只有英國地區</a:t>
-            </a:r>
-            <a:endParaRPr b="0" lang="en-US" sz="1800" spc="-1" strike="noStrike">
-              <a:latin typeface="Arial"/>
-            </a:endParaRPr>
-          </a:p>
-          <a:p>
-            <a:pPr>
-              <a:lnSpc>
-                <a:spcPct val="100000"/>
-              </a:lnSpc>
-            </a:pPr>
-            <a:r>
-              <a:rPr b="0" lang="en-US" sz="1800" spc="-1" strike="noStrike">
-                <a:solidFill>
-                  <a:srgbClr val="000000"/>
-                </a:solidFill>
-                <a:latin typeface="Arial"/>
-                <a:ea typeface="微软雅黑"/>
-              </a:rPr>
-              <a:t>處理時</a:t>
-            </a:r>
-            <a:r>
-              <a:rPr b="0" lang="en-US" sz="1800" spc="-1" strike="noStrike">
-                <a:solidFill>
-                  <a:srgbClr val="000000"/>
-                </a:solidFill>
-                <a:latin typeface="Arial"/>
-                <a:ea typeface="微软雅黑"/>
-              </a:rPr>
-              <a:t>Country</a:t>
-            </a:r>
-            <a:r>
-              <a:rPr b="0" lang="en-US" sz="1800" spc="-1" strike="noStrike">
-                <a:solidFill>
-                  <a:srgbClr val="000000"/>
-                </a:solidFill>
-                <a:latin typeface="Arial"/>
-                <a:ea typeface="微软雅黑"/>
-              </a:rPr>
-              <a:t>欄位請選擇</a:t>
-            </a:r>
-            <a:r>
-              <a:rPr b="0" lang="en-US" sz="1800" spc="-1" strike="noStrike">
-                <a:solidFill>
-                  <a:srgbClr val="000000"/>
-                </a:solidFill>
-                <a:latin typeface="Arial"/>
-                <a:ea typeface="微软雅黑"/>
-              </a:rPr>
-              <a:t>United Kingdom</a:t>
-            </a:r>
-            <a:endParaRPr b="0" lang="en-US" sz="1800" spc="-1" strike="noStrike">
-              <a:latin typeface="Arial"/>
-            </a:endParaRPr>
-          </a:p>
-          <a:p>
-            <a:pPr>
-              <a:lnSpc>
-                <a:spcPct val="100000"/>
-              </a:lnSpc>
-            </a:pPr>
-            <a:endParaRPr b="0" lang="en-US" sz="1800" spc="-1" strike="noStrike">
-              <a:latin typeface="Arial"/>
-            </a:endParaRPr>
-          </a:p>
-          <a:p>
-            <a:pPr>
-              <a:lnSpc>
-                <a:spcPct val="100000"/>
-              </a:lnSpc>
-            </a:pPr>
-            <a:r>
-              <a:rPr b="0" lang="en-US" sz="1800" spc="-1" strike="noStrike">
-                <a:solidFill>
-                  <a:srgbClr val="000000"/>
-                </a:solidFill>
-                <a:latin typeface="Arial"/>
-                <a:ea typeface="微软雅黑"/>
-              </a:rPr>
-              <a:t>步驟</a:t>
-            </a:r>
-            <a:r>
-              <a:rPr b="0" lang="en-US" sz="1800" spc="-1" strike="noStrike">
-                <a:solidFill>
-                  <a:srgbClr val="000000"/>
-                </a:solidFill>
-                <a:latin typeface="Arial"/>
-                <a:ea typeface="微软雅黑"/>
-              </a:rPr>
-              <a:t>3:</a:t>
-            </a:r>
-            <a:r>
-              <a:rPr b="0" lang="en-US" sz="1800" spc="-1" strike="noStrike">
-                <a:solidFill>
-                  <a:srgbClr val="000000"/>
-                </a:solidFill>
-                <a:latin typeface="Arial"/>
-                <a:ea typeface="微软雅黑"/>
-              </a:rPr>
-              <a:t>把商品中 ‘</a:t>
-            </a:r>
-            <a:r>
-              <a:rPr b="0" lang="en-US" sz="1800" spc="-1" strike="noStrike">
-                <a:solidFill>
-                  <a:srgbClr val="000000"/>
-                </a:solidFill>
-                <a:latin typeface="Arial"/>
-                <a:ea typeface="微软雅黑"/>
-              </a:rPr>
-              <a:t>POSTAGE‘ </a:t>
-            </a:r>
-            <a:r>
-              <a:rPr b="0" lang="en-US" sz="1800" spc="-1" strike="noStrike">
-                <a:solidFill>
-                  <a:srgbClr val="000000"/>
-                </a:solidFill>
-                <a:latin typeface="Arial"/>
-                <a:ea typeface="微软雅黑"/>
-              </a:rPr>
-              <a:t>拿掉，如果</a:t>
-            </a:r>
-            <a:r>
-              <a:rPr b="0" lang="en-US" sz="1800" spc="-1" strike="noStrike">
-                <a:solidFill>
-                  <a:srgbClr val="000000"/>
-                </a:solidFill>
-                <a:latin typeface="Arial"/>
-                <a:ea typeface="微软雅黑"/>
-              </a:rPr>
-              <a:t>DATA</a:t>
-            </a:r>
-            <a:r>
-              <a:rPr b="0" lang="en-US" sz="1800" spc="-1" strike="noStrike">
-                <a:solidFill>
-                  <a:srgbClr val="000000"/>
-                </a:solidFill>
-                <a:latin typeface="Arial"/>
-                <a:ea typeface="微软雅黑"/>
-              </a:rPr>
-              <a:t>中出現負值統一以</a:t>
-            </a:r>
-            <a:r>
-              <a:rPr b="0" lang="en-US" sz="1800" spc="-1" strike="noStrike">
-                <a:solidFill>
-                  <a:srgbClr val="000000"/>
-                </a:solidFill>
-                <a:latin typeface="Arial"/>
-                <a:ea typeface="微软雅黑"/>
-              </a:rPr>
-              <a:t>0</a:t>
-            </a:r>
-            <a:r>
-              <a:rPr b="0" lang="en-US" sz="1800" spc="-1" strike="noStrike">
-                <a:solidFill>
-                  <a:srgbClr val="000000"/>
-                </a:solidFill>
-                <a:latin typeface="Arial"/>
-                <a:ea typeface="微软雅黑"/>
-              </a:rPr>
-              <a:t>取代</a:t>
-            </a:r>
-            <a:endParaRPr b="0" lang="en-US" sz="1800" spc="-1" strike="noStrike">
-              <a:latin typeface="Arial"/>
-            </a:endParaRPr>
-          </a:p>
-          <a:p>
-            <a:pPr>
-              <a:lnSpc>
-                <a:spcPct val="100000"/>
-              </a:lnSpc>
-            </a:pPr>
-            <a:r>
-              <a:rPr b="0" lang="en-US" sz="1800" spc="-1" strike="noStrike">
-                <a:solidFill>
-                  <a:srgbClr val="000000"/>
-                </a:solidFill>
-                <a:latin typeface="Arial"/>
-                <a:ea typeface="微软雅黑"/>
-              </a:rPr>
-              <a:t>郵資</a:t>
-            </a:r>
-            <a:r>
-              <a:rPr b="0" lang="en-US" sz="1800" spc="-1" strike="noStrike">
-                <a:solidFill>
-                  <a:srgbClr val="000000"/>
-                </a:solidFill>
-                <a:latin typeface="Arial"/>
-                <a:ea typeface="微软雅黑"/>
-              </a:rPr>
-              <a:t>(POSTAGE)</a:t>
-            </a:r>
-            <a:r>
-              <a:rPr b="0" lang="en-US" sz="1800" spc="-1" strike="noStrike">
-                <a:solidFill>
-                  <a:srgbClr val="000000"/>
-                </a:solidFill>
-                <a:latin typeface="Arial"/>
-                <a:ea typeface="微软雅黑"/>
-              </a:rPr>
-              <a:t>不列入本次分析項目中</a:t>
-            </a:r>
-            <a:endParaRPr b="0" lang="en-US" sz="1800" spc="-1" strike="noStrike">
-              <a:latin typeface="Arial"/>
-            </a:endParaRPr>
-          </a:p>
-          <a:p>
-            <a:pPr>
-              <a:lnSpc>
-                <a:spcPct val="100000"/>
-              </a:lnSpc>
-            </a:pPr>
-            <a:endParaRPr b="0" lang="en-US" sz="1800" spc="-1" strike="noStrike">
-              <a:latin typeface="Arial"/>
-            </a:endParaRPr>
-          </a:p>
-          <a:p>
-            <a:pPr>
-              <a:lnSpc>
-                <a:spcPct val="100000"/>
-              </a:lnSpc>
-            </a:pPr>
-            <a:r>
-              <a:rPr b="0" lang="en-US" sz="1800" spc="-1" strike="noStrike">
-                <a:solidFill>
-                  <a:srgbClr val="000000"/>
-                </a:solidFill>
-                <a:latin typeface="Arial"/>
-                <a:ea typeface="微软雅黑"/>
-              </a:rPr>
-              <a:t>步驟</a:t>
-            </a:r>
-            <a:r>
-              <a:rPr b="0" lang="en-US" sz="1800" spc="-1" strike="noStrike">
-                <a:solidFill>
-                  <a:srgbClr val="000000"/>
-                </a:solidFill>
-                <a:latin typeface="Arial"/>
-                <a:ea typeface="微软雅黑"/>
-              </a:rPr>
-              <a:t>4:</a:t>
-            </a:r>
-            <a:r>
-              <a:rPr b="0" lang="en-US" sz="1800" spc="-1" strike="noStrike">
-                <a:solidFill>
-                  <a:srgbClr val="000000"/>
-                </a:solidFill>
-                <a:latin typeface="Arial"/>
-                <a:ea typeface="微软雅黑"/>
-              </a:rPr>
-              <a:t>進行</a:t>
-            </a:r>
-            <a:r>
-              <a:rPr b="0" lang="en-US" sz="1800" spc="-1" strike="noStrike">
-                <a:solidFill>
-                  <a:srgbClr val="000000"/>
-                </a:solidFill>
-                <a:latin typeface="Arial"/>
-                <a:ea typeface="微软雅黑"/>
-              </a:rPr>
-              <a:t>Association Analysis </a:t>
-            </a:r>
-            <a:endParaRPr b="0" lang="en-US" sz="1800" spc="-1" strike="noStrike">
-              <a:latin typeface="Arial"/>
-            </a:endParaRPr>
-          </a:p>
-          <a:p>
-            <a:pPr>
-              <a:lnSpc>
-                <a:spcPct val="100000"/>
-              </a:lnSpc>
-            </a:pPr>
-            <a:r>
-              <a:rPr b="0" lang="en-US" sz="1800" spc="-1" strike="noStrike">
-                <a:solidFill>
-                  <a:srgbClr val="000000"/>
-                </a:solidFill>
-                <a:latin typeface="Arial"/>
-                <a:ea typeface="微软雅黑"/>
-              </a:rPr>
-              <a:t>篩選的指標請以以下條件為準</a:t>
-            </a:r>
-            <a:endParaRPr b="0" lang="en-US" sz="1800" spc="-1" strike="noStrike">
-              <a:latin typeface="Arial"/>
-            </a:endParaRPr>
-          </a:p>
-          <a:p>
-            <a:pPr>
-              <a:lnSpc>
-                <a:spcPct val="100000"/>
-              </a:lnSpc>
-            </a:pPr>
-            <a:r>
-              <a:rPr b="0" lang="en-US" sz="1800" spc="-1" strike="noStrike">
-                <a:solidFill>
-                  <a:srgbClr val="ff0000"/>
-                </a:solidFill>
-                <a:latin typeface="Arial"/>
-                <a:ea typeface="微软雅黑"/>
-              </a:rPr>
-              <a:t>support  min threshold(0.01)</a:t>
-            </a:r>
-            <a:r>
-              <a:rPr b="0" lang="en-US" sz="1800" spc="-1" strike="noStrike">
-                <a:solidFill>
-                  <a:srgbClr val="ff0000"/>
-                </a:solidFill>
-                <a:latin typeface="Arial"/>
-                <a:ea typeface="微软雅黑"/>
-              </a:rPr>
-              <a:t>，</a:t>
-            </a:r>
-            <a:r>
-              <a:rPr b="0" lang="en-US" sz="1800" spc="-1" strike="noStrike">
-                <a:solidFill>
-                  <a:srgbClr val="ff0000"/>
-                </a:solidFill>
-                <a:latin typeface="Arial"/>
-                <a:ea typeface="微软雅黑"/>
-              </a:rPr>
-              <a:t>confidence  min threshold(0.5)</a:t>
-            </a:r>
-            <a:endParaRPr b="0" lang="en-US" sz="1800" spc="-1" strike="noStrike">
-              <a:latin typeface="Arial"/>
-            </a:endParaRPr>
-          </a:p>
-        </p:txBody>
-      </p:sp>
-      <p:sp>
-        <p:nvSpPr>
-          <p:cNvPr id="100" name="CustomShape 4"/>
+              <a:rPr b="1" lang="en-US" sz="2800" spc="-1" strike="noStrike">
+                <a:solidFill>
+                  <a:srgbClr val="000000"/>
+                </a:solidFill>
+                <a:latin typeface="Arial"/>
+                <a:ea typeface="微软雅黑"/>
+              </a:rPr>
+              <a:t>作業說明</a:t>
+            </a:r>
+            <a:endParaRPr b="0" lang="en-US" sz="2800" spc="-1" strike="noStrike">
+              <a:latin typeface="Arial"/>
+            </a:endParaRPr>
+          </a:p>
+        </p:txBody>
+      </p:sp>
+      <p:sp>
+        <p:nvSpPr>
+          <p:cNvPr id="94" name="CustomShape 2"/>
           <p:cNvSpPr/>
           <p:nvPr/>
         </p:nvSpPr>
         <p:spPr>
           <a:xfrm>
-            <a:off x="669960" y="1251720"/>
-            <a:ext cx="7940160" cy="4524120"/>
-          </a:xfrm>
-          <a:prstGeom prst="rect">
-            <a:avLst/>
-          </a:prstGeom>
-          <a:blipFill rotWithShape="0">
-            <a:blip r:embed="rId1"/>
-            <a:stretch>
-              <a:fillRect l="-634" t="-835" r="0" b="-835"/>
-            </a:stretch>
-          </a:blipFill>
+            <a:off x="8610480" y="6240600"/>
+            <a:ext cx="2909160" cy="205560"/>
+          </a:xfrm>
+          <a:prstGeom prst="rect">
+            <a:avLst/>
+          </a:prstGeom>
+          <a:noFill/>
           <a:ln>
             <a:noFill/>
           </a:ln>
@@ -5650,6 +4704,55 @@
           <a:fontRef idx="minor"/>
         </p:style>
         <p:txBody>
+          <a:bodyPr lIns="90000" rIns="90000" tIns="45000" bIns="45000" anchor="ctr"/>
+          <a:p>
+            <a:pPr algn="r">
+              <a:lnSpc>
+                <a:spcPct val="100000"/>
+              </a:lnSpc>
+            </a:pPr>
+            <a:fld id="{B591655B-3750-4757-8876-A38398BA66B3}" type="slidenum">
+              <a:rPr b="0" lang="en-US" sz="1000" spc="-1" strike="noStrike">
+                <a:solidFill>
+                  <a:srgbClr val="808080"/>
+                </a:solidFill>
+                <a:latin typeface="Arial"/>
+                <a:ea typeface="微软雅黑"/>
+              </a:rPr>
+              <a:t>&lt;编号&gt;</a:t>
+            </a:fld>
+            <a:endParaRPr b="0" lang="en-US" sz="1000" spc="-1" strike="noStrike">
+              <a:latin typeface="Arial"/>
+            </a:endParaRPr>
+          </a:p>
+        </p:txBody>
+      </p:sp>
+      <p:sp>
+        <p:nvSpPr>
+          <p:cNvPr id="95" name="CustomShape 3"/>
+          <p:cNvSpPr/>
+          <p:nvPr/>
+        </p:nvSpPr>
+        <p:spPr>
+          <a:xfrm>
+            <a:off x="3004200" y="5807520"/>
+            <a:ext cx="7939800" cy="4479120"/>
+          </a:xfrm>
+          <a:prstGeom prst="rect">
+            <a:avLst/>
+          </a:prstGeom>
+          <a:noFill/>
+          <a:ln>
+            <a:noFill/>
+          </a:ln>
+        </p:spPr>
+        <p:style>
+          <a:lnRef idx="0"/>
+          <a:fillRef idx="0"/>
+          <a:effectRef idx="0"/>
+          <a:fontRef idx="minor"/>
+        </p:style>
+        <p:txBody>
           <a:bodyPr lIns="90000" rIns="90000" tIns="45000" bIns="45000"/>
           <a:p>
             <a:pPr>
@@ -5659,6 +4762,643 @@
             </a:pPr>
             <a:r>
               <a:rPr b="0" lang="en-US" sz="1800" spc="-1" strike="noStrike">
+                <a:solidFill>
+                  <a:srgbClr val="000000"/>
+                </a:solidFill>
+                <a:latin typeface="Arial"/>
+                <a:ea typeface="微软雅黑"/>
+              </a:rPr>
+              <a:t>以下是作業前處理的步驟</a:t>
+            </a:r>
+            <a:r>
+              <a:rPr b="0" lang="en-US" sz="1800" spc="-1" strike="noStrike">
+                <a:solidFill>
+                  <a:srgbClr val="000000"/>
+                </a:solidFill>
+                <a:latin typeface="Arial"/>
+                <a:ea typeface="微软雅黑"/>
+              </a:rPr>
+              <a:t>:</a:t>
+            </a:r>
+            <a:endParaRPr b="0" lang="en-US" sz="1800" spc="-1" strike="noStrike">
+              <a:latin typeface="Arial"/>
+            </a:endParaRPr>
+          </a:p>
+          <a:p>
+            <a:pPr>
+              <a:lnSpc>
+                <a:spcPct val="100000"/>
+              </a:lnSpc>
+            </a:pPr>
+            <a:endParaRPr b="0" lang="en-US" sz="1800" spc="-1" strike="noStrike">
+              <a:latin typeface="Arial"/>
+            </a:endParaRPr>
+          </a:p>
+          <a:p>
+            <a:pPr>
+              <a:lnSpc>
+                <a:spcPct val="100000"/>
+              </a:lnSpc>
+            </a:pPr>
+            <a:r>
+              <a:rPr b="0" lang="en-US" sz="1800" spc="-1" strike="noStrike">
+                <a:solidFill>
+                  <a:srgbClr val="000000"/>
+                </a:solidFill>
+                <a:latin typeface="Arial"/>
+                <a:ea typeface="微软雅黑"/>
+              </a:rPr>
+              <a:t>步驟</a:t>
+            </a:r>
+            <a:r>
+              <a:rPr b="0" lang="en-US" sz="1800" spc="-1" strike="noStrike">
+                <a:solidFill>
+                  <a:srgbClr val="000000"/>
+                </a:solidFill>
+                <a:latin typeface="Arial"/>
+                <a:ea typeface="微软雅黑"/>
+              </a:rPr>
+              <a:t>1:</a:t>
+            </a:r>
+            <a:r>
+              <a:rPr b="0" lang="en-US" sz="1800" spc="-1" strike="noStrike">
+                <a:solidFill>
+                  <a:srgbClr val="000000"/>
+                </a:solidFill>
+                <a:latin typeface="Arial"/>
+                <a:ea typeface="微软雅黑"/>
+              </a:rPr>
+              <a:t>清洗資料</a:t>
+            </a:r>
+            <a:endParaRPr b="0" lang="en-US" sz="1800" spc="-1" strike="noStrike">
+              <a:latin typeface="Arial"/>
+            </a:endParaRPr>
+          </a:p>
+          <a:p>
+            <a:pPr>
+              <a:lnSpc>
+                <a:spcPct val="100000"/>
+              </a:lnSpc>
+            </a:pPr>
+            <a:r>
+              <a:rPr b="0" lang="en-US" sz="1800" spc="-1" strike="noStrike">
+                <a:solidFill>
+                  <a:srgbClr val="000000"/>
+                </a:solidFill>
+                <a:latin typeface="Arial"/>
+                <a:ea typeface="微软雅黑"/>
+              </a:rPr>
+              <a:t>將空的</a:t>
+            </a:r>
+            <a:r>
+              <a:rPr b="0" lang="en-US" sz="1800" spc="-1" strike="noStrike">
+                <a:solidFill>
+                  <a:srgbClr val="000000"/>
+                </a:solidFill>
+                <a:latin typeface="Arial"/>
+                <a:ea typeface="微软雅黑"/>
+              </a:rPr>
+              <a:t>InvoiceNo</a:t>
+            </a:r>
+            <a:r>
+              <a:rPr b="0" lang="en-US" sz="1800" spc="-1" strike="noStrike">
+                <a:solidFill>
+                  <a:srgbClr val="000000"/>
+                </a:solidFill>
+                <a:latin typeface="Arial"/>
+                <a:ea typeface="微软雅黑"/>
+              </a:rPr>
+              <a:t>拿掉</a:t>
+            </a:r>
+            <a:endParaRPr b="0" lang="en-US" sz="1800" spc="-1" strike="noStrike">
+              <a:latin typeface="Arial"/>
+            </a:endParaRPr>
+          </a:p>
+          <a:p>
+            <a:pPr>
+              <a:lnSpc>
+                <a:spcPct val="100000"/>
+              </a:lnSpc>
+            </a:pPr>
+            <a:r>
+              <a:rPr b="0" lang="en-US" sz="1800" spc="-1" strike="noStrike">
+                <a:solidFill>
+                  <a:srgbClr val="000000"/>
+                </a:solidFill>
+                <a:latin typeface="Arial"/>
+                <a:ea typeface="微软雅黑"/>
+              </a:rPr>
+              <a:t>移除被取消的交易</a:t>
+            </a:r>
+            <a:r>
+              <a:rPr b="0" lang="en-US" sz="1800" spc="-1" strike="noStrike">
+                <a:solidFill>
+                  <a:srgbClr val="000000"/>
+                </a:solidFill>
+                <a:latin typeface="Arial"/>
+                <a:ea typeface="微软雅黑"/>
+              </a:rPr>
+              <a:t>(InvoiceNo</a:t>
+            </a:r>
+            <a:r>
+              <a:rPr b="0" lang="en-US" sz="1800" spc="-1" strike="noStrike">
+                <a:solidFill>
+                  <a:srgbClr val="000000"/>
+                </a:solidFill>
+                <a:latin typeface="Arial"/>
+                <a:ea typeface="微软雅黑"/>
+              </a:rPr>
+              <a:t>開頭有出現</a:t>
+            </a:r>
+            <a:r>
+              <a:rPr b="0" lang="en-US" sz="1800" spc="-1" strike="noStrike">
+                <a:solidFill>
+                  <a:srgbClr val="000000"/>
+                </a:solidFill>
+                <a:latin typeface="Arial"/>
+                <a:ea typeface="微软雅黑"/>
+              </a:rPr>
+              <a:t>C</a:t>
+            </a:r>
+            <a:r>
+              <a:rPr b="0" lang="en-US" sz="1800" spc="-1" strike="noStrike">
+                <a:solidFill>
+                  <a:srgbClr val="000000"/>
+                </a:solidFill>
+                <a:latin typeface="Arial"/>
+                <a:ea typeface="微软雅黑"/>
+              </a:rPr>
+              <a:t>即是，</a:t>
+            </a:r>
+            <a:r>
+              <a:rPr b="0" lang="en-US" sz="1800" spc="-1" strike="noStrike">
+                <a:solidFill>
+                  <a:srgbClr val="000000"/>
+                </a:solidFill>
+                <a:latin typeface="Arial"/>
+                <a:ea typeface="微软雅黑"/>
+              </a:rPr>
+              <a:t>EX:C537024)</a:t>
+            </a:r>
+            <a:endParaRPr b="0" lang="en-US" sz="1800" spc="-1" strike="noStrike">
+              <a:latin typeface="Arial"/>
+            </a:endParaRPr>
+          </a:p>
+          <a:p>
+            <a:pPr>
+              <a:lnSpc>
+                <a:spcPct val="100000"/>
+              </a:lnSpc>
+            </a:pPr>
+            <a:endParaRPr b="0" lang="en-US" sz="1800" spc="-1" strike="noStrike">
+              <a:latin typeface="Arial"/>
+            </a:endParaRPr>
+          </a:p>
+          <a:p>
+            <a:pPr>
+              <a:lnSpc>
+                <a:spcPct val="100000"/>
+              </a:lnSpc>
+            </a:pPr>
+            <a:r>
+              <a:rPr b="0" lang="en-US" sz="1800" spc="-1" strike="noStrike">
+                <a:solidFill>
+                  <a:srgbClr val="000000"/>
+                </a:solidFill>
+                <a:latin typeface="Arial"/>
+                <a:ea typeface="微软雅黑"/>
+              </a:rPr>
+              <a:t>步驟</a:t>
+            </a:r>
+            <a:r>
+              <a:rPr b="0" lang="en-US" sz="1800" spc="-1" strike="noStrike">
+                <a:solidFill>
+                  <a:srgbClr val="000000"/>
+                </a:solidFill>
+                <a:latin typeface="Arial"/>
+                <a:ea typeface="微软雅黑"/>
+              </a:rPr>
+              <a:t>2:</a:t>
+            </a:r>
+            <a:r>
+              <a:rPr b="0" lang="en-US" sz="1800" spc="-1" strike="noStrike">
+                <a:solidFill>
+                  <a:srgbClr val="000000"/>
+                </a:solidFill>
+                <a:latin typeface="Arial"/>
+                <a:ea typeface="微软雅黑"/>
+              </a:rPr>
+              <a:t>只分析英國</a:t>
+            </a:r>
+            <a:r>
+              <a:rPr b="0" lang="en-US" sz="1800" spc="-1" strike="noStrike">
+                <a:solidFill>
+                  <a:srgbClr val="000000"/>
+                </a:solidFill>
+                <a:latin typeface="Arial"/>
+                <a:ea typeface="微软雅黑"/>
+              </a:rPr>
+              <a:t>(United Kingdom)</a:t>
+            </a:r>
+            <a:r>
+              <a:rPr b="0" lang="en-US" sz="1800" spc="-1" strike="noStrike">
+                <a:solidFill>
+                  <a:srgbClr val="000000"/>
+                </a:solidFill>
+                <a:latin typeface="Arial"/>
+                <a:ea typeface="微软雅黑"/>
+              </a:rPr>
+              <a:t>的購買紀錄</a:t>
+            </a:r>
+            <a:endParaRPr b="0" lang="en-US" sz="1800" spc="-1" strike="noStrike">
+              <a:latin typeface="Arial"/>
+            </a:endParaRPr>
+          </a:p>
+          <a:p>
+            <a:pPr>
+              <a:lnSpc>
+                <a:spcPct val="100000"/>
+              </a:lnSpc>
+            </a:pPr>
+            <a:r>
+              <a:rPr b="0" lang="en-US" sz="1800" spc="-1" strike="noStrike">
+                <a:solidFill>
+                  <a:srgbClr val="000000"/>
+                </a:solidFill>
+                <a:latin typeface="Arial"/>
+                <a:ea typeface="微软雅黑"/>
+              </a:rPr>
+              <a:t>因為資料集有點大，所以將範圍放到只有英國地區</a:t>
+            </a:r>
+            <a:endParaRPr b="0" lang="en-US" sz="1800" spc="-1" strike="noStrike">
+              <a:latin typeface="Arial"/>
+            </a:endParaRPr>
+          </a:p>
+          <a:p>
+            <a:pPr>
+              <a:lnSpc>
+                <a:spcPct val="100000"/>
+              </a:lnSpc>
+            </a:pPr>
+            <a:r>
+              <a:rPr b="0" lang="en-US" sz="1800" spc="-1" strike="noStrike">
+                <a:solidFill>
+                  <a:srgbClr val="000000"/>
+                </a:solidFill>
+                <a:latin typeface="Arial"/>
+                <a:ea typeface="微软雅黑"/>
+              </a:rPr>
+              <a:t>處理時</a:t>
+            </a:r>
+            <a:r>
+              <a:rPr b="0" lang="en-US" sz="1800" spc="-1" strike="noStrike">
+                <a:solidFill>
+                  <a:srgbClr val="000000"/>
+                </a:solidFill>
+                <a:latin typeface="Arial"/>
+                <a:ea typeface="微软雅黑"/>
+              </a:rPr>
+              <a:t>Country</a:t>
+            </a:r>
+            <a:r>
+              <a:rPr b="0" lang="en-US" sz="1800" spc="-1" strike="noStrike">
+                <a:solidFill>
+                  <a:srgbClr val="000000"/>
+                </a:solidFill>
+                <a:latin typeface="Arial"/>
+                <a:ea typeface="微软雅黑"/>
+              </a:rPr>
+              <a:t>欄位請選擇</a:t>
+            </a:r>
+            <a:r>
+              <a:rPr b="0" lang="en-US" sz="1800" spc="-1" strike="noStrike">
+                <a:solidFill>
+                  <a:srgbClr val="000000"/>
+                </a:solidFill>
+                <a:latin typeface="Arial"/>
+                <a:ea typeface="微软雅黑"/>
+              </a:rPr>
+              <a:t>United Kingdom</a:t>
+            </a:r>
+            <a:endParaRPr b="0" lang="en-US" sz="1800" spc="-1" strike="noStrike">
+              <a:latin typeface="Arial"/>
+            </a:endParaRPr>
+          </a:p>
+          <a:p>
+            <a:pPr>
+              <a:lnSpc>
+                <a:spcPct val="100000"/>
+              </a:lnSpc>
+            </a:pPr>
+            <a:endParaRPr b="0" lang="en-US" sz="1800" spc="-1" strike="noStrike">
+              <a:latin typeface="Arial"/>
+            </a:endParaRPr>
+          </a:p>
+          <a:p>
+            <a:pPr>
+              <a:lnSpc>
+                <a:spcPct val="100000"/>
+              </a:lnSpc>
+            </a:pPr>
+            <a:r>
+              <a:rPr b="0" lang="en-US" sz="1800" spc="-1" strike="noStrike">
+                <a:solidFill>
+                  <a:srgbClr val="000000"/>
+                </a:solidFill>
+                <a:latin typeface="Arial"/>
+                <a:ea typeface="微软雅黑"/>
+              </a:rPr>
+              <a:t>步驟</a:t>
+            </a:r>
+            <a:r>
+              <a:rPr b="0" lang="en-US" sz="1800" spc="-1" strike="noStrike">
+                <a:solidFill>
+                  <a:srgbClr val="000000"/>
+                </a:solidFill>
+                <a:latin typeface="Arial"/>
+                <a:ea typeface="微软雅黑"/>
+              </a:rPr>
+              <a:t>3:</a:t>
+            </a:r>
+            <a:r>
+              <a:rPr b="0" lang="en-US" sz="1800" spc="-1" strike="noStrike">
+                <a:solidFill>
+                  <a:srgbClr val="000000"/>
+                </a:solidFill>
+                <a:latin typeface="Arial"/>
+                <a:ea typeface="微软雅黑"/>
+              </a:rPr>
+              <a:t>把商品中 ‘</a:t>
+            </a:r>
+            <a:r>
+              <a:rPr b="0" lang="en-US" sz="1800" spc="-1" strike="noStrike">
+                <a:solidFill>
+                  <a:srgbClr val="000000"/>
+                </a:solidFill>
+                <a:latin typeface="Arial"/>
+                <a:ea typeface="微软雅黑"/>
+              </a:rPr>
+              <a:t>POSTAGE‘ </a:t>
+            </a:r>
+            <a:r>
+              <a:rPr b="0" lang="en-US" sz="1800" spc="-1" strike="noStrike">
+                <a:solidFill>
+                  <a:srgbClr val="000000"/>
+                </a:solidFill>
+                <a:latin typeface="Arial"/>
+                <a:ea typeface="微软雅黑"/>
+              </a:rPr>
+              <a:t>拿掉，如果</a:t>
+            </a:r>
+            <a:r>
+              <a:rPr b="0" lang="en-US" sz="1800" spc="-1" strike="noStrike">
+                <a:solidFill>
+                  <a:srgbClr val="000000"/>
+                </a:solidFill>
+                <a:latin typeface="Arial"/>
+                <a:ea typeface="微软雅黑"/>
+              </a:rPr>
+              <a:t>DATA</a:t>
+            </a:r>
+            <a:r>
+              <a:rPr b="0" lang="en-US" sz="1800" spc="-1" strike="noStrike">
+                <a:solidFill>
+                  <a:srgbClr val="000000"/>
+                </a:solidFill>
+                <a:latin typeface="Arial"/>
+                <a:ea typeface="微软雅黑"/>
+              </a:rPr>
+              <a:t>中出現負值統一以</a:t>
+            </a:r>
+            <a:r>
+              <a:rPr b="0" lang="en-US" sz="1800" spc="-1" strike="noStrike">
+                <a:solidFill>
+                  <a:srgbClr val="000000"/>
+                </a:solidFill>
+                <a:latin typeface="Arial"/>
+                <a:ea typeface="微软雅黑"/>
+              </a:rPr>
+              <a:t>0</a:t>
+            </a:r>
+            <a:r>
+              <a:rPr b="0" lang="en-US" sz="1800" spc="-1" strike="noStrike">
+                <a:solidFill>
+                  <a:srgbClr val="000000"/>
+                </a:solidFill>
+                <a:latin typeface="Arial"/>
+                <a:ea typeface="微软雅黑"/>
+              </a:rPr>
+              <a:t>取代</a:t>
+            </a:r>
+            <a:endParaRPr b="0" lang="en-US" sz="1800" spc="-1" strike="noStrike">
+              <a:latin typeface="Arial"/>
+            </a:endParaRPr>
+          </a:p>
+          <a:p>
+            <a:pPr>
+              <a:lnSpc>
+                <a:spcPct val="100000"/>
+              </a:lnSpc>
+            </a:pPr>
+            <a:r>
+              <a:rPr b="0" lang="en-US" sz="1800" spc="-1" strike="noStrike">
+                <a:solidFill>
+                  <a:srgbClr val="000000"/>
+                </a:solidFill>
+                <a:latin typeface="Arial"/>
+                <a:ea typeface="微软雅黑"/>
+              </a:rPr>
+              <a:t>郵資</a:t>
+            </a:r>
+            <a:r>
+              <a:rPr b="0" lang="en-US" sz="1800" spc="-1" strike="noStrike">
+                <a:solidFill>
+                  <a:srgbClr val="000000"/>
+                </a:solidFill>
+                <a:latin typeface="Arial"/>
+                <a:ea typeface="微软雅黑"/>
+              </a:rPr>
+              <a:t>(POSTAGE)</a:t>
+            </a:r>
+            <a:r>
+              <a:rPr b="0" lang="en-US" sz="1800" spc="-1" strike="noStrike">
+                <a:solidFill>
+                  <a:srgbClr val="000000"/>
+                </a:solidFill>
+                <a:latin typeface="Arial"/>
+                <a:ea typeface="微软雅黑"/>
+              </a:rPr>
+              <a:t>不列入本次分析項目中</a:t>
+            </a:r>
+            <a:endParaRPr b="0" lang="en-US" sz="1800" spc="-1" strike="noStrike">
+              <a:latin typeface="Arial"/>
+            </a:endParaRPr>
+          </a:p>
+          <a:p>
+            <a:pPr>
+              <a:lnSpc>
+                <a:spcPct val="100000"/>
+              </a:lnSpc>
+            </a:pPr>
+            <a:endParaRPr b="0" lang="en-US" sz="1800" spc="-1" strike="noStrike">
+              <a:latin typeface="Arial"/>
+            </a:endParaRPr>
+          </a:p>
+          <a:p>
+            <a:pPr>
+              <a:lnSpc>
+                <a:spcPct val="100000"/>
+              </a:lnSpc>
+            </a:pPr>
+            <a:r>
+              <a:rPr b="0" lang="en-US" sz="1800" spc="-1" strike="noStrike">
+                <a:solidFill>
+                  <a:srgbClr val="000000"/>
+                </a:solidFill>
+                <a:latin typeface="Arial"/>
+                <a:ea typeface="微软雅黑"/>
+              </a:rPr>
+              <a:t>步驟</a:t>
+            </a:r>
+            <a:r>
+              <a:rPr b="0" lang="en-US" sz="1800" spc="-1" strike="noStrike">
+                <a:solidFill>
+                  <a:srgbClr val="000000"/>
+                </a:solidFill>
+                <a:latin typeface="Arial"/>
+                <a:ea typeface="微软雅黑"/>
+              </a:rPr>
+              <a:t>4:</a:t>
+            </a:r>
+            <a:r>
+              <a:rPr b="0" lang="en-US" sz="1800" spc="-1" strike="noStrike">
+                <a:solidFill>
+                  <a:srgbClr val="000000"/>
+                </a:solidFill>
+                <a:latin typeface="Arial"/>
+                <a:ea typeface="微软雅黑"/>
+              </a:rPr>
+              <a:t>進行</a:t>
+            </a:r>
+            <a:r>
+              <a:rPr b="0" lang="en-US" sz="1800" spc="-1" strike="noStrike">
+                <a:solidFill>
+                  <a:srgbClr val="000000"/>
+                </a:solidFill>
+                <a:latin typeface="Arial"/>
+                <a:ea typeface="微软雅黑"/>
+              </a:rPr>
+              <a:t>Association Analysis </a:t>
+            </a:r>
+            <a:endParaRPr b="0" lang="en-US" sz="1800" spc="-1" strike="noStrike">
+              <a:latin typeface="Arial"/>
+            </a:endParaRPr>
+          </a:p>
+          <a:p>
+            <a:pPr>
+              <a:lnSpc>
+                <a:spcPct val="100000"/>
+              </a:lnSpc>
+            </a:pPr>
+            <a:r>
+              <a:rPr b="0" lang="en-US" sz="1800" spc="-1" strike="noStrike">
+                <a:solidFill>
+                  <a:srgbClr val="000000"/>
+                </a:solidFill>
+                <a:latin typeface="Arial"/>
+                <a:ea typeface="微软雅黑"/>
+              </a:rPr>
+              <a:t>篩選的指標請以以下條件為準</a:t>
+            </a:r>
+            <a:endParaRPr b="0" lang="en-US" sz="1800" spc="-1" strike="noStrike">
+              <a:latin typeface="Arial"/>
+            </a:endParaRPr>
+          </a:p>
+          <a:p>
+            <a:pPr>
+              <a:lnSpc>
+                <a:spcPct val="100000"/>
+              </a:lnSpc>
+            </a:pPr>
+            <a:r>
+              <a:rPr b="0" lang="en-US" sz="1800" spc="-1" strike="noStrike">
+                <a:solidFill>
+                  <a:srgbClr val="ff0000"/>
+                </a:solidFill>
+                <a:latin typeface="Arial"/>
+                <a:ea typeface="微软雅黑"/>
+              </a:rPr>
+              <a:t>support  min threshold(0.01)</a:t>
+            </a:r>
+            <a:r>
+              <a:rPr b="0" lang="en-US" sz="1800" spc="-1" strike="noStrike">
+                <a:solidFill>
+                  <a:srgbClr val="ff0000"/>
+                </a:solidFill>
+                <a:latin typeface="Arial"/>
+                <a:ea typeface="微软雅黑"/>
+              </a:rPr>
+              <a:t>，</a:t>
+            </a:r>
+            <a:r>
+              <a:rPr b="0" lang="en-US" sz="1800" spc="-1" strike="noStrike">
+                <a:solidFill>
+                  <a:srgbClr val="ff0000"/>
+                </a:solidFill>
+                <a:latin typeface="Arial"/>
+                <a:ea typeface="微软雅黑"/>
+              </a:rPr>
+              <a:t>confidence  min threshold(0.5)</a:t>
+            </a:r>
+            <a:endParaRPr b="0" lang="en-US" sz="1800" spc="-1" strike="noStrike">
+              <a:latin typeface="Arial"/>
+            </a:endParaRPr>
+          </a:p>
+        </p:txBody>
+      </p:sp>
+      <p:sp>
+        <p:nvSpPr>
+          <p:cNvPr id="96" name="CustomShape 4"/>
+          <p:cNvSpPr/>
+          <p:nvPr/>
+        </p:nvSpPr>
+        <p:spPr>
+          <a:xfrm>
+            <a:off x="669960" y="1251720"/>
+            <a:ext cx="7939800" cy="4523760"/>
+          </a:xfrm>
+          <a:prstGeom prst="rect">
+            <a:avLst/>
+          </a:prstGeom>
+          <a:blipFill rotWithShape="0">
+            <a:blip r:embed="rId1"/>
+            <a:stretch>
+              <a:fillRect l="-630" t="-828" r="0" b="-828"/>
+            </a:stretch>
+          </a:blipFill>
+          <a:ln>
+            <a:noFill/>
+          </a:ln>
+        </p:spPr>
+        <p:style>
+          <a:lnRef idx="0"/>
+          <a:fillRef idx="0"/>
+          <a:effectRef idx="0"/>
+          <a:fontRef idx="minor"/>
+        </p:style>
+        <p:txBody>
+          <a:bodyPr lIns="90000" rIns="90000" tIns="45000" bIns="45000"/>
+          <a:p>
+            <a:pPr>
+              <a:lnSpc>
+                <a:spcPct val="100000"/>
+              </a:lnSpc>
+            </a:pPr>
+            <a:r>
+              <a:rPr b="0" lang="en-US" sz="1800" spc="-1" strike="noStrike">
+                <a:solidFill>
+                  <a:srgbClr val="000000"/>
+                </a:solidFill>
                 <a:latin typeface="Arial"/>
                 <a:ea typeface="微软雅黑"/>
               </a:rPr>
@@ -5721,14 +5461,14 @@
       </p:grpSpPr>
       <p:sp>
         <p:nvSpPr>
-          <p:cNvPr id="101" name="TextShape 1"/>
-          <p:cNvSpPr txBox="1"/>
+          <p:cNvPr id="97" name="CustomShape 1"/>
+          <p:cNvSpPr/>
           <p:nvPr/>
         </p:nvSpPr>
         <p:spPr>
           <a:xfrm>
             <a:off x="669960" y="0"/>
-            <a:ext cx="10850040" cy="1028160"/>
+            <a:ext cx="10849680" cy="1027800"/>
           </a:xfrm>
           <a:prstGeom prst="rect">
             <a:avLst/>
@@ -5738,8 +5478,14 @@
             <a:noFill/>
           </a:ln>
         </p:spPr>
-        <p:txBody>
-          <a:bodyPr anchor="b"/>
+        <p:style>
+          <a:lnRef idx="0"/>
+          <a:fillRef idx="0"/>
+          <a:effectRef idx="0"/>
+          <a:fontRef idx="minor"/>
+        </p:style>
+        <p:txBody>
+          <a:bodyPr lIns="90000" rIns="90000" tIns="45000" bIns="45000" anchor="b"/>
           <a:p>
             <a:pPr>
               <a:lnSpc>
@@ -5747,7 +5493,7 @@
               </a:lnSpc>
             </a:pPr>
             <a:r>
-              <a:rPr b="1" lang="zh-CN" sz="2800" spc="-1" strike="noStrike">
+              <a:rPr b="1" lang="en-US" sz="2800" spc="-1" strike="noStrike">
                 <a:solidFill>
                   <a:srgbClr val="000000"/>
                 </a:solidFill>
@@ -5756,25 +5502,22 @@
               </a:rPr>
               <a:t>上傳檔案格式</a:t>
             </a:r>
-            <a:endParaRPr b="0" lang="zh-CN" sz="2800" spc="-1" strike="noStrike">
-              <a:solidFill>
-                <a:srgbClr val="000000"/>
-              </a:solidFill>
-              <a:latin typeface="Arial"/>
-            </a:endParaRPr>
-          </a:p>
-        </p:txBody>
-      </p:sp>
-      <p:sp>
-        <p:nvSpPr>
-          <p:cNvPr id="102" name="TextShape 2"/>
-          <p:cNvSpPr txBox="1"/>
+            <a:endParaRPr b="0" lang="en-US" sz="2800" spc="-1" strike="noStrike">
+              <a:latin typeface="Arial"/>
+            </a:endParaRPr>
+          </a:p>
+        </p:txBody>
+      </p:sp>
+      <p:sp>
+        <p:nvSpPr>
+          <p:cNvPr id="98" name="CustomShape 2"/>
+          <p:cNvSpPr/>
           <p:nvPr/>
         </p:nvSpPr>
         <p:spPr>
           <a:xfrm>
             <a:off x="8610480" y="6240600"/>
-            <a:ext cx="2909520" cy="205920"/>
+            <a:ext cx="2909160" cy="205560"/>
           </a:xfrm>
           <a:prstGeom prst="rect">
             <a:avLst/>
@@ -5784,15 +5527,21 @@
             <a:noFill/>
           </a:ln>
         </p:spPr>
-        <p:txBody>
-          <a:bodyPr anchor="ctr"/>
+        <p:style>
+          <a:lnRef idx="0"/>
+          <a:fillRef idx="0"/>
+          <a:effectRef idx="0"/>
+          <a:fontRef idx="minor"/>
+        </p:style>
+        <p:txBody>
+          <a:bodyPr lIns="90000" rIns="90000" tIns="45000" bIns="45000" anchor="ctr"/>
           <a:p>
             <a:pPr algn="r">
               <a:lnSpc>
                 <a:spcPct val="100000"/>
               </a:lnSpc>
             </a:pPr>
-            <a:fld id="{36597EBC-5074-4763-BCE9-584BAE0120DB}" type="slidenum">
+            <a:fld id="{B7D167B0-5CB9-4394-9C0E-FA54AA271D65}" type="slidenum">
               <a:rPr b="0" lang="en-US" sz="1000" spc="-1" strike="noStrike">
                 <a:solidFill>
                   <a:srgbClr val="808080"/>
@@ -5800,17 +5549,17 @@
                 <a:latin typeface="Arial"/>
                 <a:ea typeface="微软雅黑"/>
               </a:rPr>
-              <a:t>1</a:t>
+              <a:t>&lt;编号&gt;</a:t>
             </a:fld>
             <a:endParaRPr b="0" lang="en-US" sz="1000" spc="-1" strike="noStrike">
-              <a:latin typeface="Times New Roman"/>
+              <a:latin typeface="Arial"/>
             </a:endParaRPr>
           </a:p>
         </p:txBody>
       </p:sp>
       <p:pic>
         <p:nvPicPr>
-          <p:cNvPr id="103" name="圖片 2" descr=""/>
+          <p:cNvPr id="99" name="圖片 2" descr=""/>
           <p:cNvPicPr/>
           <p:nvPr/>
         </p:nvPicPr>
@@ -5821,7 +5570,7 @@
         <p:spPr>
           <a:xfrm>
             <a:off x="806760" y="1258200"/>
-            <a:ext cx="6933960" cy="2295000"/>
+            <a:ext cx="6933600" cy="2294640"/>
           </a:xfrm>
           <a:prstGeom prst="rect">
             <a:avLst/>
@@ -5833,14 +5582,14 @@
       </p:pic>
       <p:sp>
         <p:nvSpPr>
-          <p:cNvPr id="104" name="CustomShape 3"/>
+          <p:cNvPr id="100" name="CustomShape 3"/>
           <p:cNvSpPr/>
           <p:nvPr/>
         </p:nvSpPr>
         <p:spPr>
           <a:xfrm>
             <a:off x="806760" y="3989880"/>
-            <a:ext cx="7485120" cy="2284920"/>
+            <a:ext cx="7484760" cy="2284560"/>
           </a:xfrm>
           <a:prstGeom prst="rect">
             <a:avLst/>
@@ -6341,103 +6090,14 @@
       </p:grpSpPr>
       <p:sp>
         <p:nvSpPr>
-          <p:cNvPr id="105" name="TextShape 1"/>
-          <p:cNvSpPr txBox="1"/>
-          <p:nvPr/>
-        </p:nvSpPr>
-        <p:spPr>
-          <a:xfrm>
-            <a:off x="669960" y="0"/>
-            <a:ext cx="10850040" cy="1028160"/>
-          </a:xfrm>
-          <a:prstGeom prst="rect">
-            <a:avLst/>
-          </a:prstGeom>
-          <a:noFill/>
-          <a:ln>
-            <a:noFill/>
-          </a:ln>
-        </p:spPr>
-        <p:txBody>
-          <a:bodyPr anchor="b"/>
-          <a:p>
-            <a:pPr>
-              <a:lnSpc>
-                <a:spcPct val="90000"/>
-              </a:lnSpc>
-            </a:pPr>
-            <a:r>
-              <a:rPr b="1" lang="zh-CN" sz="2800" spc="-1" strike="noStrike">
-                <a:solidFill>
-                  <a:srgbClr val="000000"/>
-                </a:solidFill>
-                <a:latin typeface="Arial"/>
-                <a:ea typeface="微软雅黑"/>
-              </a:rPr>
-              <a:t>評分方式</a:t>
-            </a:r>
-            <a:endParaRPr b="0" lang="zh-CN" sz="2800" spc="-1" strike="noStrike">
-              <a:solidFill>
-                <a:srgbClr val="000000"/>
-              </a:solidFill>
-              <a:latin typeface="Arial"/>
-            </a:endParaRPr>
-          </a:p>
-        </p:txBody>
-      </p:sp>
-      <p:sp>
-        <p:nvSpPr>
-          <p:cNvPr id="106" name="TextShape 2"/>
-          <p:cNvSpPr txBox="1"/>
-          <p:nvPr/>
-        </p:nvSpPr>
-        <p:spPr>
-          <a:xfrm>
-            <a:off x="8610480" y="6240600"/>
-            <a:ext cx="2909520" cy="205920"/>
-          </a:xfrm>
-          <a:prstGeom prst="rect">
-            <a:avLst/>
-          </a:prstGeom>
-          <a:noFill/>
-          <a:ln>
-            <a:noFill/>
-          </a:ln>
-        </p:spPr>
-        <p:txBody>
-          <a:bodyPr anchor="ctr"/>
-          <a:p>
-            <a:pPr algn="r">
-              <a:lnSpc>
-                <a:spcPct val="100000"/>
-              </a:lnSpc>
-            </a:pPr>
-            <a:fld id="{E1D07DE2-5206-4C95-952F-F0A770D92446}" type="slidenum">
-              <a:rPr b="0" lang="en-US" sz="1000" spc="-1" strike="noStrike">
-                <a:solidFill>
-                  <a:srgbClr val="808080"/>
-                </a:solidFill>
-                <a:latin typeface="Arial"/>
-                <a:ea typeface="微软雅黑"/>
-              </a:rPr>
-              <a:t>1</a:t>
-            </a:fld>
-            <a:endParaRPr b="0" lang="en-US" sz="1000" spc="-1" strike="noStrike">
-              <a:latin typeface="Times New Roman"/>
-            </a:endParaRPr>
-          </a:p>
-        </p:txBody>
-      </p:sp>
-      <p:sp>
-        <p:nvSpPr>
-          <p:cNvPr id="107" name="CustomShape 3"/>
+          <p:cNvPr id="101" name="CustomShape 1"/>
           <p:cNvSpPr/>
           <p:nvPr/>
         </p:nvSpPr>
         <p:spPr>
           <a:xfrm>
-            <a:off x="669960" y="1166760"/>
-            <a:ext cx="10212840" cy="4753800"/>
+            <a:off x="669960" y="0"/>
+            <a:ext cx="10849680" cy="1027800"/>
           </a:xfrm>
           <a:prstGeom prst="rect">
             <a:avLst/>
@@ -6454,9 +6114,107 @@
           <a:fontRef idx="minor"/>
         </p:style>
         <p:txBody>
+          <a:bodyPr lIns="90000" rIns="90000" tIns="45000" bIns="45000" anchor="b"/>
+          <a:p>
+            <a:pPr>
+              <a:lnSpc>
+                <a:spcPct val="90000"/>
+              </a:lnSpc>
+            </a:pPr>
+            <a:r>
+              <a:rPr b="1" lang="en-US" sz="2800" spc="-1" strike="noStrike">
+                <a:solidFill>
+                  <a:srgbClr val="000000"/>
+                </a:solidFill>
+                <a:latin typeface="Arial"/>
+                <a:ea typeface="微软雅黑"/>
+              </a:rPr>
+              <a:t>評分方式</a:t>
+            </a:r>
+            <a:endParaRPr b="0" lang="en-US" sz="2800" spc="-1" strike="noStrike">
+              <a:latin typeface="Arial"/>
+            </a:endParaRPr>
+          </a:p>
+        </p:txBody>
+      </p:sp>
+      <p:sp>
+        <p:nvSpPr>
+          <p:cNvPr id="102" name="CustomShape 2"/>
+          <p:cNvSpPr/>
+          <p:nvPr/>
+        </p:nvSpPr>
+        <p:spPr>
+          <a:xfrm>
+            <a:off x="8610480" y="6240600"/>
+            <a:ext cx="2909160" cy="205560"/>
+          </a:xfrm>
+          <a:prstGeom prst="rect">
+            <a:avLst/>
+          </a:prstGeom>
+          <a:noFill/>
+          <a:ln>
+            <a:noFill/>
+          </a:ln>
+        </p:spPr>
+        <p:style>
+          <a:lnRef idx="0"/>
+          <a:fillRef idx="0"/>
+          <a:effectRef idx="0"/>
+          <a:fontRef idx="minor"/>
+        </p:style>
+        <p:txBody>
+          <a:bodyPr lIns="90000" rIns="90000" tIns="45000" bIns="45000" anchor="ctr"/>
+          <a:p>
+            <a:pPr algn="r">
+              <a:lnSpc>
+                <a:spcPct val="100000"/>
+              </a:lnSpc>
+            </a:pPr>
+            <a:fld id="{B07DE40C-788A-4354-836A-2B09B9E285DE}" type="slidenum">
+              <a:rPr b="0" lang="en-US" sz="1000" spc="-1" strike="noStrike">
+                <a:solidFill>
+                  <a:srgbClr val="808080"/>
+                </a:solidFill>
+                <a:latin typeface="Arial"/>
+                <a:ea typeface="微软雅黑"/>
+              </a:rPr>
+              <a:t>&lt;编号&gt;</a:t>
+            </a:fld>
+            <a:endParaRPr b="0" lang="en-US" sz="1000" spc="-1" strike="noStrike">
+              <a:latin typeface="Arial"/>
+            </a:endParaRPr>
+          </a:p>
+        </p:txBody>
+      </p:sp>
+      <p:sp>
+        <p:nvSpPr>
+          <p:cNvPr id="103" name="CustomShape 3"/>
+          <p:cNvSpPr/>
+          <p:nvPr/>
+        </p:nvSpPr>
+        <p:spPr>
+          <a:xfrm>
+            <a:off x="669960" y="1166760"/>
+            <a:ext cx="10212480" cy="4753440"/>
+          </a:xfrm>
+          <a:prstGeom prst="rect">
+            <a:avLst/>
+          </a:prstGeom>
+          <a:noFill/>
+          <a:ln>
+            <a:noFill/>
+          </a:ln>
+        </p:spPr>
+        <p:style>
+          <a:lnRef idx="0"/>
+          <a:fillRef idx="0"/>
+          <a:effectRef idx="0"/>
+          <a:fontRef idx="minor"/>
+        </p:style>
+        <p:txBody>
           <a:bodyPr lIns="90000" rIns="90000" tIns="45000" bIns="45000"/>
           <a:p>
-            <a:pPr marL="285840" indent="-285480">
+            <a:pPr marL="285840" indent="-285120">
               <a:lnSpc>
                 <a:spcPct val="100000"/>
               </a:lnSpc>
@@ -6531,7 +6289,7 @@
             </a:endParaRPr>
           </a:p>
           <a:p>
-            <a:pPr marL="285840" indent="-285480">
+            <a:pPr marL="285840" indent="-285120">
               <a:lnSpc>
                 <a:spcPct val="100000"/>
               </a:lnSpc>
@@ -7139,14 +6897,14 @@
       </p:grpSpPr>
       <p:sp>
         <p:nvSpPr>
-          <p:cNvPr id="108" name="TextShape 1"/>
-          <p:cNvSpPr txBox="1"/>
+          <p:cNvPr id="104" name="CustomShape 1"/>
+          <p:cNvSpPr/>
           <p:nvPr/>
         </p:nvSpPr>
         <p:spPr>
           <a:xfrm>
             <a:off x="669960" y="0"/>
-            <a:ext cx="10850040" cy="1028160"/>
+            <a:ext cx="10849680" cy="1027800"/>
           </a:xfrm>
           <a:prstGeom prst="rect">
             <a:avLst/>
@@ -7156,8 +6914,14 @@
             <a:noFill/>
           </a:ln>
         </p:spPr>
-        <p:txBody>
-          <a:bodyPr anchor="b"/>
+        <p:style>
+          <a:lnRef idx="0"/>
+          <a:fillRef idx="0"/>
+          <a:effectRef idx="0"/>
+          <a:fontRef idx="minor"/>
+        </p:style>
+        <p:txBody>
+          <a:bodyPr lIns="90000" rIns="90000" tIns="45000" bIns="45000" anchor="b"/>
           <a:p>
             <a:pPr>
               <a:lnSpc>
@@ -7165,7 +6929,7 @@
               </a:lnSpc>
             </a:pPr>
             <a:r>
-              <a:rPr b="1" lang="zh-CN" sz="2800" spc="-1" strike="noStrike">
+              <a:rPr b="1" lang="en-US" sz="2800" spc="-1" strike="noStrike">
                 <a:solidFill>
                   <a:srgbClr val="000000"/>
                 </a:solidFill>
@@ -7174,25 +6938,22 @@
               </a:rPr>
               <a:t>最後</a:t>
             </a:r>
-            <a:endParaRPr b="0" lang="zh-CN" sz="2800" spc="-1" strike="noStrike">
-              <a:solidFill>
-                <a:srgbClr val="000000"/>
-              </a:solidFill>
-              <a:latin typeface="Arial"/>
-            </a:endParaRPr>
-          </a:p>
-        </p:txBody>
-      </p:sp>
-      <p:sp>
-        <p:nvSpPr>
-          <p:cNvPr id="109" name="TextShape 2"/>
-          <p:cNvSpPr txBox="1"/>
+            <a:endParaRPr b="0" lang="en-US" sz="2800" spc="-1" strike="noStrike">
+              <a:latin typeface="Arial"/>
+            </a:endParaRPr>
+          </a:p>
+        </p:txBody>
+      </p:sp>
+      <p:sp>
+        <p:nvSpPr>
+          <p:cNvPr id="105" name="CustomShape 2"/>
+          <p:cNvSpPr/>
           <p:nvPr/>
         </p:nvSpPr>
         <p:spPr>
           <a:xfrm>
             <a:off x="669960" y="6240600"/>
-            <a:ext cx="4140000" cy="205920"/>
+            <a:ext cx="4139640" cy="205560"/>
           </a:xfrm>
           <a:prstGeom prst="rect">
             <a:avLst/>
@@ -7202,8 +6963,14 @@
             <a:noFill/>
           </a:ln>
         </p:spPr>
-        <p:txBody>
-          <a:bodyPr anchor="ctr"/>
+        <p:style>
+          <a:lnRef idx="0"/>
+          <a:fillRef idx="0"/>
+          <a:effectRef idx="0"/>
+          <a:fontRef idx="minor"/>
+        </p:style>
+        <p:txBody>
+          <a:bodyPr lIns="90000" rIns="90000" tIns="45000" bIns="45000" anchor="ctr"/>
           <a:p>
             <a:pPr>
               <a:lnSpc>
@@ -7221,21 +6988,21 @@
               <a:t>www.islide.cc</a:t>
             </a:r>
             <a:endParaRPr b="0" lang="en-US" sz="1000" spc="-1" strike="noStrike">
-              <a:latin typeface="Times New Roman"/>
-            </a:endParaRPr>
-          </a:p>
-        </p:txBody>
-      </p:sp>
-      <p:sp>
-        <p:nvSpPr>
-          <p:cNvPr id="110" name="TextShape 3"/>
-          <p:cNvSpPr txBox="1"/>
+              <a:latin typeface="Arial"/>
+            </a:endParaRPr>
+          </a:p>
+        </p:txBody>
+      </p:sp>
+      <p:sp>
+        <p:nvSpPr>
+          <p:cNvPr id="106" name="CustomShape 3"/>
+          <p:cNvSpPr/>
           <p:nvPr/>
         </p:nvSpPr>
         <p:spPr>
           <a:xfrm>
             <a:off x="8610480" y="6240600"/>
-            <a:ext cx="2909520" cy="205920"/>
+            <a:ext cx="2909160" cy="205560"/>
           </a:xfrm>
           <a:prstGeom prst="rect">
             <a:avLst/>
@@ -7245,15 +7012,21 @@
             <a:noFill/>
           </a:ln>
         </p:spPr>
-        <p:txBody>
-          <a:bodyPr anchor="ctr"/>
+        <p:style>
+          <a:lnRef idx="0"/>
+          <a:fillRef idx="0"/>
+          <a:effectRef idx="0"/>
+          <a:fontRef idx="minor"/>
+        </p:style>
+        <p:txBody>
+          <a:bodyPr lIns="90000" rIns="90000" tIns="45000" bIns="45000" anchor="ctr"/>
           <a:p>
             <a:pPr algn="r">
               <a:lnSpc>
                 <a:spcPct val="100000"/>
               </a:lnSpc>
             </a:pPr>
-            <a:fld id="{939F7DC0-0942-4859-A2EF-8A1C658C9D3E}" type="slidenum">
+            <a:fld id="{F925EB04-ED8A-4DAA-82A7-ADC1323329DE}" type="slidenum">
               <a:rPr b="0" lang="en-US" sz="1000" spc="-1" strike="noStrike">
                 <a:solidFill>
                   <a:srgbClr val="808080"/>
@@ -7261,24 +7034,24 @@
                 <a:latin typeface="Arial"/>
                 <a:ea typeface="微软雅黑"/>
               </a:rPr>
-              <a:t>1</a:t>
+              <a:t>&lt;编号&gt;</a:t>
             </a:fld>
             <a:endParaRPr b="0" lang="en-US" sz="1000" spc="-1" strike="noStrike">
-              <a:latin typeface="Times New Roman"/>
-            </a:endParaRPr>
-          </a:p>
-        </p:txBody>
-      </p:sp>
-      <p:sp>
-        <p:nvSpPr>
-          <p:cNvPr id="111" name="CustomShape 4"/>
+              <a:latin typeface="Arial"/>
+            </a:endParaRPr>
+          </a:p>
+        </p:txBody>
+      </p:sp>
+      <p:sp>
+        <p:nvSpPr>
+          <p:cNvPr id="107" name="CustomShape 4"/>
           <p:cNvSpPr/>
           <p:nvPr/>
         </p:nvSpPr>
         <p:spPr>
           <a:xfrm>
             <a:off x="669960" y="1326600"/>
-            <a:ext cx="9773640" cy="2833560"/>
+            <a:ext cx="9773280" cy="2833200"/>
           </a:xfrm>
           <a:prstGeom prst="rect">
             <a:avLst/>
